--- a/Slides/PH223_Lecture_05.pptx
+++ b/Slides/PH223_Lecture_05.pptx
@@ -5,7 +5,7 @@
     <p:sldMasterId id="2147483648" r:id="rId1"/>
   </p:sldMasterIdLst>
   <p:notesMasterIdLst>
-    <p:notesMasterId r:id="rId56"/>
+    <p:notesMasterId r:id="rId58"/>
   </p:notesMasterIdLst>
   <p:sldIdLst>
     <p:sldId id="256" r:id="rId2"/>
@@ -17,51 +17,53 @@
     <p:sldId id="296" r:id="rId8"/>
     <p:sldId id="274" r:id="rId9"/>
     <p:sldId id="297" r:id="rId10"/>
-    <p:sldId id="275" r:id="rId11"/>
-    <p:sldId id="295" r:id="rId12"/>
-    <p:sldId id="299" r:id="rId13"/>
-    <p:sldId id="292" r:id="rId14"/>
-    <p:sldId id="300" r:id="rId15"/>
-    <p:sldId id="293" r:id="rId16"/>
-    <p:sldId id="283" r:id="rId17"/>
-    <p:sldId id="1136" r:id="rId18"/>
-    <p:sldId id="284" r:id="rId19"/>
-    <p:sldId id="285" r:id="rId20"/>
-    <p:sldId id="1137" r:id="rId21"/>
-    <p:sldId id="294" r:id="rId22"/>
-    <p:sldId id="290" r:id="rId23"/>
-    <p:sldId id="289" r:id="rId24"/>
-    <p:sldId id="1138" r:id="rId25"/>
-    <p:sldId id="257" r:id="rId26"/>
-    <p:sldId id="1450" r:id="rId27"/>
-    <p:sldId id="258" r:id="rId28"/>
-    <p:sldId id="259" r:id="rId29"/>
-    <p:sldId id="423" r:id="rId30"/>
-    <p:sldId id="602" r:id="rId31"/>
-    <p:sldId id="603" r:id="rId32"/>
-    <p:sldId id="260" r:id="rId33"/>
-    <p:sldId id="1451" r:id="rId34"/>
-    <p:sldId id="261" r:id="rId35"/>
-    <p:sldId id="287" r:id="rId36"/>
-    <p:sldId id="288" r:id="rId37"/>
-    <p:sldId id="1447" r:id="rId38"/>
-    <p:sldId id="1448" r:id="rId39"/>
-    <p:sldId id="262" r:id="rId40"/>
-    <p:sldId id="1452" r:id="rId41"/>
-    <p:sldId id="1453" r:id="rId42"/>
-    <p:sldId id="263" r:id="rId43"/>
-    <p:sldId id="264" r:id="rId44"/>
-    <p:sldId id="265" r:id="rId45"/>
-    <p:sldId id="266" r:id="rId46"/>
-    <p:sldId id="1455" r:id="rId47"/>
-    <p:sldId id="291" r:id="rId48"/>
-    <p:sldId id="1449" r:id="rId49"/>
-    <p:sldId id="267" r:id="rId50"/>
-    <p:sldId id="268" r:id="rId51"/>
-    <p:sldId id="269" r:id="rId52"/>
-    <p:sldId id="1454" r:id="rId53"/>
-    <p:sldId id="270" r:id="rId54"/>
-    <p:sldId id="271" r:id="rId55"/>
+    <p:sldId id="1456" r:id="rId11"/>
+    <p:sldId id="275" r:id="rId12"/>
+    <p:sldId id="295" r:id="rId13"/>
+    <p:sldId id="299" r:id="rId14"/>
+    <p:sldId id="292" r:id="rId15"/>
+    <p:sldId id="300" r:id="rId16"/>
+    <p:sldId id="293" r:id="rId17"/>
+    <p:sldId id="283" r:id="rId18"/>
+    <p:sldId id="1136" r:id="rId19"/>
+    <p:sldId id="284" r:id="rId20"/>
+    <p:sldId id="285" r:id="rId21"/>
+    <p:sldId id="1137" r:id="rId22"/>
+    <p:sldId id="294" r:id="rId23"/>
+    <p:sldId id="290" r:id="rId24"/>
+    <p:sldId id="289" r:id="rId25"/>
+    <p:sldId id="1138" r:id="rId26"/>
+    <p:sldId id="257" r:id="rId27"/>
+    <p:sldId id="1450" r:id="rId28"/>
+    <p:sldId id="258" r:id="rId29"/>
+    <p:sldId id="259" r:id="rId30"/>
+    <p:sldId id="423" r:id="rId31"/>
+    <p:sldId id="602" r:id="rId32"/>
+    <p:sldId id="603" r:id="rId33"/>
+    <p:sldId id="260" r:id="rId34"/>
+    <p:sldId id="1451" r:id="rId35"/>
+    <p:sldId id="261" r:id="rId36"/>
+    <p:sldId id="287" r:id="rId37"/>
+    <p:sldId id="288" r:id="rId38"/>
+    <p:sldId id="1447" r:id="rId39"/>
+    <p:sldId id="1448" r:id="rId40"/>
+    <p:sldId id="262" r:id="rId41"/>
+    <p:sldId id="1452" r:id="rId42"/>
+    <p:sldId id="1453" r:id="rId43"/>
+    <p:sldId id="263" r:id="rId44"/>
+    <p:sldId id="264" r:id="rId45"/>
+    <p:sldId id="265" r:id="rId46"/>
+    <p:sldId id="266" r:id="rId47"/>
+    <p:sldId id="1455" r:id="rId48"/>
+    <p:sldId id="291" r:id="rId49"/>
+    <p:sldId id="1449" r:id="rId50"/>
+    <p:sldId id="1457" r:id="rId51"/>
+    <p:sldId id="267" r:id="rId52"/>
+    <p:sldId id="268" r:id="rId53"/>
+    <p:sldId id="269" r:id="rId54"/>
+    <p:sldId id="1454" r:id="rId55"/>
+    <p:sldId id="270" r:id="rId56"/>
+    <p:sldId id="271" r:id="rId57"/>
   </p:sldIdLst>
   <p:sldSz cx="9144000" cy="6858000" type="screen4x3"/>
   <p:notesSz cx="6858000" cy="9144000"/>
@@ -182,13 +184,92 @@
 <file path=ppt/revisionInfo.xml><?xml version="1.0" encoding="utf-8"?>
 <p1510:revInfo xmlns:a="http://schemas.openxmlformats.org/drawingml/2006/main" xmlns:r="http://schemas.openxmlformats.org/officeDocument/2006/relationships" xmlns:p1510="http://schemas.microsoft.com/office/powerpoint/2015/10/main">
   <p1510:revLst>
-    <p1510:client id="{B3E261B2-29DE-41BC-8C7F-2434BF53B993}" v="14" dt="2023-09-18T14:14:16.356"/>
+    <p1510:client id="{A48F35DF-4755-4920-A7FD-3978C91BC219}" v="2" dt="2024-09-20T17:04:11.294"/>
   </p1510:revLst>
 </p1510:revInfo>
 </file>
 
 <file path=ppt/changesInfos/changesInfo1.xml><?xml version="1.0" encoding="utf-8"?>
 <pc:chgInfo xmlns:a="http://schemas.openxmlformats.org/drawingml/2006/main" xmlns:r="http://schemas.openxmlformats.org/officeDocument/2006/relationships" xmlns:ac="http://schemas.microsoft.com/office/drawing/2013/main/command" xmlns:pc="http://schemas.microsoft.com/office/powerpoint/2013/main/command">
+  <pc:docChgLst>
+    <pc:chgData name="Lines, Todd" userId="afaf7c3a-e8aa-4568-882a-02ad8f9e19b0" providerId="ADAL" clId="{A48F35DF-4755-4920-A7FD-3978C91BC219}"/>
+    <pc:docChg chg="custSel addSld modSld">
+      <pc:chgData name="Lines, Todd" userId="afaf7c3a-e8aa-4568-882a-02ad8f9e19b0" providerId="ADAL" clId="{A48F35DF-4755-4920-A7FD-3978C91BC219}" dt="2024-09-20T17:20:01.047" v="27" actId="20577"/>
+      <pc:docMkLst>
+        <pc:docMk/>
+      </pc:docMkLst>
+      <pc:sldChg chg="addSp delSp modSp new mod">
+        <pc:chgData name="Lines, Todd" userId="afaf7c3a-e8aa-4568-882a-02ad8f9e19b0" providerId="ADAL" clId="{A48F35DF-4755-4920-A7FD-3978C91BC219}" dt="2024-09-20T17:04:11.290" v="22" actId="20577"/>
+        <pc:sldMkLst>
+          <pc:docMk/>
+          <pc:sldMk cId="761006191" sldId="1456"/>
+        </pc:sldMkLst>
+        <pc:spChg chg="mod">
+          <ac:chgData name="Lines, Todd" userId="afaf7c3a-e8aa-4568-882a-02ad8f9e19b0" providerId="ADAL" clId="{A48F35DF-4755-4920-A7FD-3978C91BC219}" dt="2024-09-20T16:55:55.181" v="13" actId="20577"/>
+          <ac:spMkLst>
+            <pc:docMk/>
+            <pc:sldMk cId="761006191" sldId="1456"/>
+            <ac:spMk id="2" creationId="{974B74E6-6806-4E3B-6B2F-6835AC6B98BF}"/>
+          </ac:spMkLst>
+        </pc:spChg>
+        <pc:spChg chg="mod">
+          <ac:chgData name="Lines, Todd" userId="afaf7c3a-e8aa-4568-882a-02ad8f9e19b0" providerId="ADAL" clId="{A48F35DF-4755-4920-A7FD-3978C91BC219}" dt="2024-09-20T17:04:11.290" v="22" actId="20577"/>
+          <ac:spMkLst>
+            <pc:docMk/>
+            <pc:sldMk cId="761006191" sldId="1456"/>
+            <ac:spMk id="3" creationId="{32D2F1B5-ED77-092A-339A-73D1B416ECEA}"/>
+          </ac:spMkLst>
+        </pc:spChg>
+        <pc:picChg chg="add del">
+          <ac:chgData name="Lines, Todd" userId="afaf7c3a-e8aa-4568-882a-02ad8f9e19b0" providerId="ADAL" clId="{A48F35DF-4755-4920-A7FD-3978C91BC219}" dt="2024-09-20T17:00:54.124" v="17" actId="478"/>
+          <ac:picMkLst>
+            <pc:docMk/>
+            <pc:sldMk cId="761006191" sldId="1456"/>
+            <ac:picMk id="5" creationId="{52D7498D-CF93-BD17-0317-6C35EF3B247E}"/>
+          </ac:picMkLst>
+        </pc:picChg>
+      </pc:sldChg>
+      <pc:sldChg chg="addSp delSp modSp new mod modClrScheme chgLayout">
+        <pc:chgData name="Lines, Todd" userId="afaf7c3a-e8aa-4568-882a-02ad8f9e19b0" providerId="ADAL" clId="{A48F35DF-4755-4920-A7FD-3978C91BC219}" dt="2024-09-20T17:20:01.047" v="27" actId="20577"/>
+        <pc:sldMkLst>
+          <pc:docMk/>
+          <pc:sldMk cId="1784524523" sldId="1457"/>
+        </pc:sldMkLst>
+        <pc:spChg chg="del mod ord">
+          <ac:chgData name="Lines, Todd" userId="afaf7c3a-e8aa-4568-882a-02ad8f9e19b0" providerId="ADAL" clId="{A48F35DF-4755-4920-A7FD-3978C91BC219}" dt="2024-09-20T17:19:58.639" v="24" actId="700"/>
+          <ac:spMkLst>
+            <pc:docMk/>
+            <pc:sldMk cId="1784524523" sldId="1457"/>
+            <ac:spMk id="2" creationId="{22FBC564-C2BC-52C6-7725-22ACEF69B97C}"/>
+          </ac:spMkLst>
+        </pc:spChg>
+        <pc:spChg chg="del mod ord">
+          <ac:chgData name="Lines, Todd" userId="afaf7c3a-e8aa-4568-882a-02ad8f9e19b0" providerId="ADAL" clId="{A48F35DF-4755-4920-A7FD-3978C91BC219}" dt="2024-09-20T17:19:58.639" v="24" actId="700"/>
+          <ac:spMkLst>
+            <pc:docMk/>
+            <pc:sldMk cId="1784524523" sldId="1457"/>
+            <ac:spMk id="3" creationId="{A9BF370C-89DA-A797-4B43-6F25C89A90C1}"/>
+          </ac:spMkLst>
+        </pc:spChg>
+        <pc:spChg chg="add mod ord">
+          <ac:chgData name="Lines, Todd" userId="afaf7c3a-e8aa-4568-882a-02ad8f9e19b0" providerId="ADAL" clId="{A48F35DF-4755-4920-A7FD-3978C91BC219}" dt="2024-09-20T17:20:01.047" v="27" actId="20577"/>
+          <ac:spMkLst>
+            <pc:docMk/>
+            <pc:sldMk cId="1784524523" sldId="1457"/>
+            <ac:spMk id="4" creationId="{290B3E63-3E11-95F8-E6E6-4803C06441B7}"/>
+          </ac:spMkLst>
+        </pc:spChg>
+        <pc:spChg chg="add mod ord">
+          <ac:chgData name="Lines, Todd" userId="afaf7c3a-e8aa-4568-882a-02ad8f9e19b0" providerId="ADAL" clId="{A48F35DF-4755-4920-A7FD-3978C91BC219}" dt="2024-09-20T17:19:58.639" v="24" actId="700"/>
+          <ac:spMkLst>
+            <pc:docMk/>
+            <pc:sldMk cId="1784524523" sldId="1457"/>
+            <ac:spMk id="5" creationId="{CA72D322-1DE2-C875-8E34-EB4BCECFCFA7}"/>
+          </ac:spMkLst>
+        </pc:spChg>
+      </pc:sldChg>
+    </pc:docChg>
+  </pc:docChgLst>
   <pc:docChgLst>
     <pc:chgData name="Lines, Todd" userId="afaf7c3a-e8aa-4568-882a-02ad8f9e19b0" providerId="ADAL" clId="{B3E261B2-29DE-41BC-8C7F-2434BF53B993}"/>
     <pc:docChg chg="undo custSel addSld delSld modSld sldOrd">
@@ -544,7 +625,7 @@
             <a:fld id="{BE767D44-83DD-4FCD-8683-A39DD2490FF3}" type="datetimeFigureOut">
               <a:rPr lang="en-US" smtClean="0"/>
               <a:pPr/>
-              <a:t>9/18/2023</a:t>
+              <a:t>9/20/2024</a:t>
             </a:fld>
             <a:endParaRPr lang="en-US"/>
           </a:p>
@@ -880,7 +961,7 @@
             <a:fld id="{927ACA8C-0F07-4941-85A8-11B6BA7BEA72}" type="slidenum">
               <a:rPr lang="en-US" smtClean="0"/>
               <a:pPr/>
-              <a:t>13</a:t>
+              <a:t>14</a:t>
             </a:fld>
             <a:endParaRPr lang="en-US"/>
           </a:p>
@@ -965,7 +1046,7 @@
             <a:fld id="{927ACA8C-0F07-4941-85A8-11B6BA7BEA72}" type="slidenum">
               <a:rPr lang="en-US" smtClean="0"/>
               <a:pPr/>
-              <a:t>15</a:t>
+              <a:t>16</a:t>
             </a:fld>
             <a:endParaRPr lang="en-US"/>
           </a:p>
@@ -1097,7 +1178,7 @@
                   <a:spcPct val="0"/>
                 </a:spcAft>
               </a:pPr>
-              <a:t>42</a:t>
+              <a:t>43</a:t>
             </a:fld>
             <a:endParaRPr lang="en-US"/>
           </a:p>
@@ -1291,7 +1372,7 @@
             <a:fld id="{C3133E23-681F-4650-A6DE-8D52B0D431E8}" type="datetimeFigureOut">
               <a:rPr lang="en-US" smtClean="0"/>
               <a:pPr/>
-              <a:t>9/18/2023</a:t>
+              <a:t>9/20/2024</a:t>
             </a:fld>
             <a:endParaRPr lang="en-US"/>
           </a:p>
@@ -1456,7 +1537,7 @@
             <a:fld id="{C3133E23-681F-4650-A6DE-8D52B0D431E8}" type="datetimeFigureOut">
               <a:rPr lang="en-US" smtClean="0"/>
               <a:pPr/>
-              <a:t>9/18/2023</a:t>
+              <a:t>9/20/2024</a:t>
             </a:fld>
             <a:endParaRPr lang="en-US"/>
           </a:p>
@@ -1631,7 +1712,7 @@
             <a:fld id="{C3133E23-681F-4650-A6DE-8D52B0D431E8}" type="datetimeFigureOut">
               <a:rPr lang="en-US" smtClean="0"/>
               <a:pPr/>
-              <a:t>9/18/2023</a:t>
+              <a:t>9/20/2024</a:t>
             </a:fld>
             <a:endParaRPr lang="en-US"/>
           </a:p>
@@ -1796,7 +1877,7 @@
             <a:fld id="{C3133E23-681F-4650-A6DE-8D52B0D431E8}" type="datetimeFigureOut">
               <a:rPr lang="en-US" smtClean="0"/>
               <a:pPr/>
-              <a:t>9/18/2023</a:t>
+              <a:t>9/20/2024</a:t>
             </a:fld>
             <a:endParaRPr lang="en-US"/>
           </a:p>
@@ -2038,7 +2119,7 @@
             <a:fld id="{C3133E23-681F-4650-A6DE-8D52B0D431E8}" type="datetimeFigureOut">
               <a:rPr lang="en-US" smtClean="0"/>
               <a:pPr/>
-              <a:t>9/18/2023</a:t>
+              <a:t>9/20/2024</a:t>
             </a:fld>
             <a:endParaRPr lang="en-US"/>
           </a:p>
@@ -2320,7 +2401,7 @@
             <a:fld id="{C3133E23-681F-4650-A6DE-8D52B0D431E8}" type="datetimeFigureOut">
               <a:rPr lang="en-US" smtClean="0"/>
               <a:pPr/>
-              <a:t>9/18/2023</a:t>
+              <a:t>9/20/2024</a:t>
             </a:fld>
             <a:endParaRPr lang="en-US"/>
           </a:p>
@@ -2736,7 +2817,7 @@
             <a:fld id="{C3133E23-681F-4650-A6DE-8D52B0D431E8}" type="datetimeFigureOut">
               <a:rPr lang="en-US" smtClean="0"/>
               <a:pPr/>
-              <a:t>9/18/2023</a:t>
+              <a:t>9/20/2024</a:t>
             </a:fld>
             <a:endParaRPr lang="en-US"/>
           </a:p>
@@ -2850,7 +2931,7 @@
             <a:fld id="{C3133E23-681F-4650-A6DE-8D52B0D431E8}" type="datetimeFigureOut">
               <a:rPr lang="en-US" smtClean="0"/>
               <a:pPr/>
-              <a:t>9/18/2023</a:t>
+              <a:t>9/20/2024</a:t>
             </a:fld>
             <a:endParaRPr lang="en-US"/>
           </a:p>
@@ -2942,7 +3023,7 @@
             <a:fld id="{C3133E23-681F-4650-A6DE-8D52B0D431E8}" type="datetimeFigureOut">
               <a:rPr lang="en-US" smtClean="0"/>
               <a:pPr/>
-              <a:t>9/18/2023</a:t>
+              <a:t>9/20/2024</a:t>
             </a:fld>
             <a:endParaRPr lang="en-US"/>
           </a:p>
@@ -3214,7 +3295,7 @@
             <a:fld id="{C3133E23-681F-4650-A6DE-8D52B0D431E8}" type="datetimeFigureOut">
               <a:rPr lang="en-US" smtClean="0"/>
               <a:pPr/>
-              <a:t>9/18/2023</a:t>
+              <a:t>9/20/2024</a:t>
             </a:fld>
             <a:endParaRPr lang="en-US"/>
           </a:p>
@@ -3463,7 +3544,7 @@
             <a:fld id="{C3133E23-681F-4650-A6DE-8D52B0D431E8}" type="datetimeFigureOut">
               <a:rPr lang="en-US" smtClean="0"/>
               <a:pPr/>
-              <a:t>9/18/2023</a:t>
+              <a:t>9/20/2024</a:t>
             </a:fld>
             <a:endParaRPr lang="en-US"/>
           </a:p>
@@ -3671,7 +3752,7 @@
             <a:fld id="{C3133E23-681F-4650-A6DE-8D52B0D431E8}" type="datetimeFigureOut">
               <a:rPr lang="en-US" smtClean="0"/>
               <a:pPr/>
-              <a:t>9/18/2023</a:t>
+              <a:t>9/20/2024</a:t>
             </a:fld>
             <a:endParaRPr lang="en-US"/>
           </a:p>
@@ -4092,6 +4173,118 @@
 </file>
 
 <file path=ppt/slides/slide10.xml><?xml version="1.0" encoding="utf-8"?>
+<p:sld xmlns:a="http://schemas.openxmlformats.org/drawingml/2006/main" xmlns:r="http://schemas.openxmlformats.org/officeDocument/2006/relationships" xmlns:p="http://schemas.openxmlformats.org/presentationml/2006/main">
+  <p:cSld>
+    <p:spTree>
+      <p:nvGrpSpPr>
+        <p:cNvPr id="1" name=""/>
+        <p:cNvGrpSpPr/>
+        <p:nvPr/>
+      </p:nvGrpSpPr>
+      <p:grpSpPr>
+        <a:xfrm>
+          <a:off x="0" y="0"/>
+          <a:ext cx="0" cy="0"/>
+          <a:chOff x="0" y="0"/>
+          <a:chExt cx="0" cy="0"/>
+        </a:xfrm>
+      </p:grpSpPr>
+      <p:sp>
+        <p:nvSpPr>
+          <p:cNvPr id="2" name="Title 1">
+            <a:extLst>
+              <a:ext uri="{FF2B5EF4-FFF2-40B4-BE49-F238E27FC236}">
+                <a16:creationId xmlns:a16="http://schemas.microsoft.com/office/drawing/2014/main" id="{974B74E6-6806-4E3B-6B2F-6835AC6B98BF}"/>
+              </a:ext>
+            </a:extLst>
+          </p:cNvPr>
+          <p:cNvSpPr>
+            <a:spLocks noGrp="1"/>
+          </p:cNvSpPr>
+          <p:nvPr>
+            <p:ph type="title"/>
+          </p:nvPr>
+        </p:nvSpPr>
+        <p:spPr/>
+        <p:txBody>
+          <a:bodyPr/>
+          <a:lstStyle/>
+          <a:p>
+            <a:r>
+              <a:rPr lang="en-US" dirty="0"/>
+              <a:t>Demonstration</a:t>
+            </a:r>
+          </a:p>
+        </p:txBody>
+      </p:sp>
+      <p:sp>
+        <p:nvSpPr>
+          <p:cNvPr id="3" name="Content Placeholder 2">
+            <a:extLst>
+              <a:ext uri="{FF2B5EF4-FFF2-40B4-BE49-F238E27FC236}">
+                <a16:creationId xmlns:a16="http://schemas.microsoft.com/office/drawing/2014/main" id="{32D2F1B5-ED77-092A-339A-73D1B416ECEA}"/>
+              </a:ext>
+            </a:extLst>
+          </p:cNvPr>
+          <p:cNvSpPr>
+            <a:spLocks noGrp="1"/>
+          </p:cNvSpPr>
+          <p:nvPr>
+            <p:ph idx="1"/>
+          </p:nvPr>
+        </p:nvSpPr>
+        <p:spPr>
+          <a:xfrm>
+            <a:off x="304800" y="1600200"/>
+            <a:ext cx="8229600" cy="4525963"/>
+          </a:xfrm>
+        </p:spPr>
+        <p:txBody>
+          <a:bodyPr/>
+          <a:lstStyle/>
+          <a:p>
+            <a:r>
+              <a:rPr lang="en-US" dirty="0">
+                <a:hlinkClick r:id="rId2"/>
+              </a:rPr>
+              <a:t>https://astro.unl.edu/classaction/animations/light/dopplershift.html</a:t>
+            </a:r>
+            <a:endParaRPr lang="en-US" dirty="0"/>
+          </a:p>
+          <a:p>
+            <a:endParaRPr lang="en-US" dirty="0"/>
+          </a:p>
+          <a:p>
+            <a:endParaRPr lang="en-US" dirty="0"/>
+          </a:p>
+          <a:p>
+            <a:r>
+              <a:rPr lang="en-US" dirty="0">
+                <a:hlinkClick r:id="rId3"/>
+              </a:rPr>
+              <a:t>https://ophysics.com/w11.html</a:t>
+            </a:r>
+            <a:r>
+              <a:rPr lang="en-US" dirty="0"/>
+              <a:t> </a:t>
+            </a:r>
+          </a:p>
+        </p:txBody>
+      </p:sp>
+    </p:spTree>
+    <p:extLst>
+      <p:ext uri="{BB962C8B-B14F-4D97-AF65-F5344CB8AC3E}">
+        <p14:creationId xmlns:p14="http://schemas.microsoft.com/office/powerpoint/2010/main" val="761006191"/>
+      </p:ext>
+    </p:extLst>
+  </p:cSld>
+  <p:clrMapOvr>
+    <a:masterClrMapping/>
+  </p:clrMapOvr>
+</p:sld>
+</file>
+
+<file path=ppt/slides/slide11.xml><?xml version="1.0" encoding="utf-8"?>
 <p:sld xmlns:a="http://schemas.openxmlformats.org/drawingml/2006/main" xmlns:r="http://schemas.openxmlformats.org/officeDocument/2006/relationships" xmlns:p="http://schemas.openxmlformats.org/presentationml/2006/main">
   <p:cSld>
     <p:spTree>
@@ -4515,7 +4708,7 @@
 </p:sld>
 </file>
 
-<file path=ppt/slides/slide11.xml><?xml version="1.0" encoding="utf-8"?>
+<file path=ppt/slides/slide12.xml><?xml version="1.0" encoding="utf-8"?>
 <p:sld xmlns:a="http://schemas.openxmlformats.org/drawingml/2006/main" xmlns:r="http://schemas.openxmlformats.org/officeDocument/2006/relationships" xmlns:p="http://schemas.openxmlformats.org/presentationml/2006/main">
   <p:cSld>
     <p:spTree>
@@ -4890,7 +5083,7 @@
 </p:sld>
 </file>
 
-<file path=ppt/slides/slide12.xml><?xml version="1.0" encoding="utf-8"?>
+<file path=ppt/slides/slide13.xml><?xml version="1.0" encoding="utf-8"?>
 <p:sld xmlns:a="http://schemas.openxmlformats.org/drawingml/2006/main" xmlns:r="http://schemas.openxmlformats.org/officeDocument/2006/relationships" xmlns:p="http://schemas.openxmlformats.org/presentationml/2006/main">
   <p:cSld>
     <p:spTree>
@@ -6580,7 +6773,7 @@
 </p:sld>
 </file>
 
-<file path=ppt/slides/slide13.xml><?xml version="1.0" encoding="utf-8"?>
+<file path=ppt/slides/slide14.xml><?xml version="1.0" encoding="utf-8"?>
 <p:sld xmlns:a="http://schemas.openxmlformats.org/drawingml/2006/main" xmlns:r="http://schemas.openxmlformats.org/officeDocument/2006/relationships" xmlns:p="http://schemas.openxmlformats.org/presentationml/2006/main">
   <p:cSld>
     <p:spTree>
@@ -6955,7 +7148,7 @@
 </p:sld>
 </file>
 
-<file path=ppt/slides/slide14.xml><?xml version="1.0" encoding="utf-8"?>
+<file path=ppt/slides/slide15.xml><?xml version="1.0" encoding="utf-8"?>
 <p:sld xmlns:a="http://schemas.openxmlformats.org/drawingml/2006/main" xmlns:r="http://schemas.openxmlformats.org/officeDocument/2006/relationships" xmlns:p="http://schemas.openxmlformats.org/presentationml/2006/main">
   <p:cSld>
     <p:spTree>
@@ -8599,7 +8792,7 @@
 </p:sld>
 </file>
 
-<file path=ppt/slides/slide15.xml><?xml version="1.0" encoding="utf-8"?>
+<file path=ppt/slides/slide16.xml><?xml version="1.0" encoding="utf-8"?>
 <p:sld xmlns:a="http://schemas.openxmlformats.org/drawingml/2006/main" xmlns:r="http://schemas.openxmlformats.org/officeDocument/2006/relationships" xmlns:p="http://schemas.openxmlformats.org/presentationml/2006/main">
   <p:cSld>
     <p:spTree>
@@ -8989,7 +9182,7 @@
 </p:sld>
 </file>
 
-<file path=ppt/slides/slide16.xml><?xml version="1.0" encoding="utf-8"?>
+<file path=ppt/slides/slide17.xml><?xml version="1.0" encoding="utf-8"?>
 <p:sld xmlns:a="http://schemas.openxmlformats.org/drawingml/2006/main" xmlns:r="http://schemas.openxmlformats.org/officeDocument/2006/relationships" xmlns:p="http://schemas.openxmlformats.org/presentationml/2006/main">
   <p:cSld>
     <p:spTree>
@@ -10374,7 +10567,7 @@
 </p:sld>
 </file>
 
-<file path=ppt/slides/slide17.xml><?xml version="1.0" encoding="utf-8"?>
+<file path=ppt/slides/slide18.xml><?xml version="1.0" encoding="utf-8"?>
 <p:sld xmlns:a="http://schemas.openxmlformats.org/drawingml/2006/main" xmlns:r="http://schemas.openxmlformats.org/officeDocument/2006/relationships" xmlns:p="http://schemas.openxmlformats.org/presentationml/2006/main">
   <p:cSld>
     <p:spTree>
@@ -10502,7 +10695,7 @@
             <a:fld id="{0444647A-B62D-46AC-8BB6-871103D5B2E6}" type="slidenum">
               <a:rPr lang="en-US" smtClean="0"/>
               <a:pPr/>
-              <a:t>17</a:t>
+              <a:t>18</a:t>
             </a:fld>
             <a:endParaRPr lang="en-US"/>
           </a:p>
@@ -10516,7 +10709,7 @@
 </p:sld>
 </file>
 
-<file path=ppt/slides/slide18.xml><?xml version="1.0" encoding="utf-8"?>
+<file path=ppt/slides/slide19.xml><?xml version="1.0" encoding="utf-8"?>
 <p:sld xmlns:a="http://schemas.openxmlformats.org/drawingml/2006/main" xmlns:r="http://schemas.openxmlformats.org/officeDocument/2006/relationships" xmlns:p="http://schemas.openxmlformats.org/presentationml/2006/main">
   <p:cSld>
     <p:spTree>
@@ -10605,7 +10798,127 @@
 </p:sld>
 </file>
 
-<file path=ppt/slides/slide19.xml><?xml version="1.0" encoding="utf-8"?>
+<file path=ppt/slides/slide2.xml><?xml version="1.0" encoding="utf-8"?>
+<p:sld xmlns:a="http://schemas.openxmlformats.org/drawingml/2006/main" xmlns:r="http://schemas.openxmlformats.org/officeDocument/2006/relationships" xmlns:p="http://schemas.openxmlformats.org/presentationml/2006/main">
+  <p:cSld>
+    <p:spTree>
+      <p:nvGrpSpPr>
+        <p:cNvPr id="1" name=""/>
+        <p:cNvGrpSpPr/>
+        <p:nvPr/>
+      </p:nvGrpSpPr>
+      <p:grpSpPr>
+        <a:xfrm>
+          <a:off x="0" y="0"/>
+          <a:ext cx="0" cy="0"/>
+          <a:chOff x="0" y="0"/>
+          <a:chExt cx="0" cy="0"/>
+        </a:xfrm>
+      </p:grpSpPr>
+      <p:sp>
+        <p:nvSpPr>
+          <p:cNvPr id="600065" name="Title 1"/>
+          <p:cNvSpPr>
+            <a:spLocks noGrp="1"/>
+          </p:cNvSpPr>
+          <p:nvPr>
+            <p:ph type="title"/>
+          </p:nvPr>
+        </p:nvSpPr>
+        <p:spPr/>
+        <p:txBody>
+          <a:bodyPr/>
+          <a:lstStyle/>
+          <a:p>
+            <a:r>
+              <a:rPr lang="en-US" dirty="0"/>
+              <a:t>Question 223.5.1  123.22.13</a:t>
+            </a:r>
+          </a:p>
+        </p:txBody>
+      </p:sp>
+      <p:sp>
+        <p:nvSpPr>
+          <p:cNvPr id="3" name="Content Placeholder 2"/>
+          <p:cNvSpPr>
+            <a:spLocks noGrp="1"/>
+          </p:cNvSpPr>
+          <p:nvPr>
+            <p:ph idx="1"/>
+          </p:nvPr>
+        </p:nvSpPr>
+        <p:spPr/>
+        <p:txBody>
+          <a:bodyPr>
+            <a:normAutofit lnSpcReduction="10000"/>
+          </a:bodyPr>
+          <a:lstStyle/>
+          <a:p>
+            <a:pPr>
+              <a:buFontTx/>
+              <a:buNone/>
+              <a:defRPr/>
+            </a:pPr>
+            <a:r>
+              <a:rPr lang="en-US" dirty="0"/>
+              <a:t>You are a parent standing at platform 9.75. The Hogwarts Express is just leaving the station. The whistle blows. The engineer (if there is one) hears a perfect middle C (256 Hz). What do you hear as the train leaves?</a:t>
+            </a:r>
+          </a:p>
+          <a:p>
+            <a:pPr marL="514350" indent="-514350">
+              <a:buFontTx/>
+              <a:buAutoNum type="alphaLcParenR"/>
+              <a:defRPr/>
+            </a:pPr>
+            <a:r>
+              <a:rPr lang="en-US" dirty="0"/>
+              <a:t>A higher pitch than 256 Hz</a:t>
+            </a:r>
+          </a:p>
+          <a:p>
+            <a:pPr marL="514350" indent="-514350">
+              <a:buFontTx/>
+              <a:buAutoNum type="alphaLcParenR"/>
+              <a:defRPr/>
+            </a:pPr>
+            <a:r>
+              <a:rPr lang="en-US" dirty="0"/>
+              <a:t>A lower pitch than 256 Hz</a:t>
+            </a:r>
+          </a:p>
+          <a:p>
+            <a:pPr marL="514350" indent="-514350">
+              <a:buFontTx/>
+              <a:buAutoNum type="alphaLcParenR"/>
+              <a:defRPr/>
+            </a:pPr>
+            <a:r>
+              <a:rPr lang="en-US" dirty="0"/>
+              <a:t>Middle C (256 Hz)</a:t>
+            </a:r>
+          </a:p>
+          <a:p>
+            <a:pPr marL="514350" indent="-514350">
+              <a:buFontTx/>
+              <a:buAutoNum type="alphaLcParenR"/>
+              <a:defRPr/>
+            </a:pPr>
+            <a:r>
+              <a:rPr lang="en-US" dirty="0"/>
+              <a:t>Nothing</a:t>
+            </a:r>
+          </a:p>
+        </p:txBody>
+      </p:sp>
+    </p:spTree>
+  </p:cSld>
+  <p:clrMapOvr>
+    <a:masterClrMapping/>
+  </p:clrMapOvr>
+</p:sld>
+</file>
+
+<file path=ppt/slides/slide20.xml><?xml version="1.0" encoding="utf-8"?>
 <p:sld xmlns:a="http://schemas.openxmlformats.org/drawingml/2006/main" xmlns:r="http://schemas.openxmlformats.org/officeDocument/2006/relationships" xmlns:p="http://schemas.openxmlformats.org/presentationml/2006/main">
   <p:cSld>
     <p:spTree>
@@ -10662,127 +10975,7 @@
 </p:sld>
 </file>
 
-<file path=ppt/slides/slide2.xml><?xml version="1.0" encoding="utf-8"?>
-<p:sld xmlns:a="http://schemas.openxmlformats.org/drawingml/2006/main" xmlns:r="http://schemas.openxmlformats.org/officeDocument/2006/relationships" xmlns:p="http://schemas.openxmlformats.org/presentationml/2006/main">
-  <p:cSld>
-    <p:spTree>
-      <p:nvGrpSpPr>
-        <p:cNvPr id="1" name=""/>
-        <p:cNvGrpSpPr/>
-        <p:nvPr/>
-      </p:nvGrpSpPr>
-      <p:grpSpPr>
-        <a:xfrm>
-          <a:off x="0" y="0"/>
-          <a:ext cx="0" cy="0"/>
-          <a:chOff x="0" y="0"/>
-          <a:chExt cx="0" cy="0"/>
-        </a:xfrm>
-      </p:grpSpPr>
-      <p:sp>
-        <p:nvSpPr>
-          <p:cNvPr id="600065" name="Title 1"/>
-          <p:cNvSpPr>
-            <a:spLocks noGrp="1"/>
-          </p:cNvSpPr>
-          <p:nvPr>
-            <p:ph type="title"/>
-          </p:nvPr>
-        </p:nvSpPr>
-        <p:spPr/>
-        <p:txBody>
-          <a:bodyPr/>
-          <a:lstStyle/>
-          <a:p>
-            <a:r>
-              <a:rPr lang="en-US" dirty="0"/>
-              <a:t>Question 223.5.1  123.22.13</a:t>
-            </a:r>
-          </a:p>
-        </p:txBody>
-      </p:sp>
-      <p:sp>
-        <p:nvSpPr>
-          <p:cNvPr id="3" name="Content Placeholder 2"/>
-          <p:cNvSpPr>
-            <a:spLocks noGrp="1"/>
-          </p:cNvSpPr>
-          <p:nvPr>
-            <p:ph idx="1"/>
-          </p:nvPr>
-        </p:nvSpPr>
-        <p:spPr/>
-        <p:txBody>
-          <a:bodyPr>
-            <a:normAutofit lnSpcReduction="10000"/>
-          </a:bodyPr>
-          <a:lstStyle/>
-          <a:p>
-            <a:pPr>
-              <a:buFontTx/>
-              <a:buNone/>
-              <a:defRPr/>
-            </a:pPr>
-            <a:r>
-              <a:rPr lang="en-US" dirty="0"/>
-              <a:t>You are a parent standing at platform 9.75. The Hogwarts Express is just leaving the station. The whistle blows. The engineer (if there is one) hears a perfect middle C (256 Hz). What do you hear as the train leaves?</a:t>
-            </a:r>
-          </a:p>
-          <a:p>
-            <a:pPr marL="514350" indent="-514350">
-              <a:buFontTx/>
-              <a:buAutoNum type="alphaLcParenR"/>
-              <a:defRPr/>
-            </a:pPr>
-            <a:r>
-              <a:rPr lang="en-US" dirty="0"/>
-              <a:t>A higher pitch than 256 Hz</a:t>
-            </a:r>
-          </a:p>
-          <a:p>
-            <a:pPr marL="514350" indent="-514350">
-              <a:buFontTx/>
-              <a:buAutoNum type="alphaLcParenR"/>
-              <a:defRPr/>
-            </a:pPr>
-            <a:r>
-              <a:rPr lang="en-US" dirty="0"/>
-              <a:t>A lower pitch than 256 Hz</a:t>
-            </a:r>
-          </a:p>
-          <a:p>
-            <a:pPr marL="514350" indent="-514350">
-              <a:buFontTx/>
-              <a:buAutoNum type="alphaLcParenR"/>
-              <a:defRPr/>
-            </a:pPr>
-            <a:r>
-              <a:rPr lang="en-US" dirty="0"/>
-              <a:t>Middle C (256 Hz)</a:t>
-            </a:r>
-          </a:p>
-          <a:p>
-            <a:pPr marL="514350" indent="-514350">
-              <a:buFontTx/>
-              <a:buAutoNum type="alphaLcParenR"/>
-              <a:defRPr/>
-            </a:pPr>
-            <a:r>
-              <a:rPr lang="en-US" dirty="0"/>
-              <a:t>Nothing</a:t>
-            </a:r>
-          </a:p>
-        </p:txBody>
-      </p:sp>
-    </p:spTree>
-  </p:cSld>
-  <p:clrMapOvr>
-    <a:masterClrMapping/>
-  </p:clrMapOvr>
-</p:sld>
-</file>
-
-<file path=ppt/slides/slide20.xml><?xml version="1.0" encoding="utf-8"?>
+<file path=ppt/slides/slide21.xml><?xml version="1.0" encoding="utf-8"?>
 <p:sld xmlns:a="http://schemas.openxmlformats.org/drawingml/2006/main" xmlns:r="http://schemas.openxmlformats.org/officeDocument/2006/relationships" xmlns:p="http://schemas.openxmlformats.org/presentationml/2006/main">
   <p:cSld>
     <p:spTree>
@@ -11006,7 +11199,7 @@
 </p:sld>
 </file>
 
-<file path=ppt/slides/slide21.xml><?xml version="1.0" encoding="utf-8"?>
+<file path=ppt/slides/slide22.xml><?xml version="1.0" encoding="utf-8"?>
 <p:sld xmlns:a="http://schemas.openxmlformats.org/drawingml/2006/main" xmlns:r="http://schemas.openxmlformats.org/officeDocument/2006/relationships" xmlns:p="http://schemas.openxmlformats.org/presentationml/2006/main">
   <p:cSld>
     <p:spTree>
@@ -11231,7 +11424,7 @@
 </p:sld>
 </file>
 
-<file path=ppt/slides/slide22.xml><?xml version="1.0" encoding="utf-8"?>
+<file path=ppt/slides/slide23.xml><?xml version="1.0" encoding="utf-8"?>
 <p:sld xmlns:a="http://schemas.openxmlformats.org/drawingml/2006/main" xmlns:r="http://schemas.openxmlformats.org/officeDocument/2006/relationships" xmlns:p="http://schemas.openxmlformats.org/presentationml/2006/main">
   <p:cSld>
     <p:spTree>
@@ -11514,7 +11707,7 @@
 </p:sld>
 </file>
 
-<file path=ppt/slides/slide23.xml><?xml version="1.0" encoding="utf-8"?>
+<file path=ppt/slides/slide24.xml><?xml version="1.0" encoding="utf-8"?>
 <p:sld xmlns:a="http://schemas.openxmlformats.org/drawingml/2006/main" xmlns:r="http://schemas.openxmlformats.org/officeDocument/2006/relationships" xmlns:p="http://schemas.openxmlformats.org/presentationml/2006/main">
   <p:cSld>
     <p:spTree>
@@ -11609,7 +11802,7 @@
 </p:sld>
 </file>
 
-<file path=ppt/slides/slide24.xml><?xml version="1.0" encoding="utf-8"?>
+<file path=ppt/slides/slide25.xml><?xml version="1.0" encoding="utf-8"?>
 <p:sld xmlns:a="http://schemas.openxmlformats.org/drawingml/2006/main" xmlns:r="http://schemas.openxmlformats.org/officeDocument/2006/relationships" xmlns:p="http://schemas.openxmlformats.org/presentationml/2006/main">
   <p:cSld>
     <p:spTree>
@@ -12185,7 +12378,7 @@
 </p:sld>
 </file>
 
-<file path=ppt/slides/slide25.xml><?xml version="1.0" encoding="utf-8"?>
+<file path=ppt/slides/slide26.xml><?xml version="1.0" encoding="utf-8"?>
 <p:sld xmlns:a="http://schemas.openxmlformats.org/drawingml/2006/main" xmlns:r="http://schemas.openxmlformats.org/officeDocument/2006/relationships" xmlns:p="http://schemas.openxmlformats.org/presentationml/2006/main">
   <p:cSld>
     <p:spTree>
@@ -12415,7 +12608,7 @@
 </p:sld>
 </file>
 
-<file path=ppt/slides/slide26.xml><?xml version="1.0" encoding="utf-8"?>
+<file path=ppt/slides/slide27.xml><?xml version="1.0" encoding="utf-8"?>
 <p:sld xmlns:a="http://schemas.openxmlformats.org/drawingml/2006/main" xmlns:r="http://schemas.openxmlformats.org/officeDocument/2006/relationships" xmlns:p="http://schemas.openxmlformats.org/presentationml/2006/main">
   <p:cSld>
     <p:spTree>
@@ -12788,7 +12981,7 @@
 </p:sld>
 </file>
 
-<file path=ppt/slides/slide27.xml><?xml version="1.0" encoding="utf-8"?>
+<file path=ppt/slides/slide28.xml><?xml version="1.0" encoding="utf-8"?>
 <p:sld xmlns:a="http://schemas.openxmlformats.org/drawingml/2006/main" xmlns:r="http://schemas.openxmlformats.org/officeDocument/2006/relationships" xmlns:p="http://schemas.openxmlformats.org/presentationml/2006/main">
   <p:cSld>
     <p:spTree>
@@ -13134,7 +13327,7 @@
 </p:sld>
 </file>
 
-<file path=ppt/slides/slide28.xml><?xml version="1.0" encoding="utf-8"?>
+<file path=ppt/slides/slide29.xml><?xml version="1.0" encoding="utf-8"?>
 <p:sld xmlns:a="http://schemas.openxmlformats.org/drawingml/2006/main" xmlns:r="http://schemas.openxmlformats.org/officeDocument/2006/relationships" xmlns:p="http://schemas.openxmlformats.org/presentationml/2006/main">
   <p:cSld>
     <p:spTree>
@@ -13673,165 +13866,6 @@
 </p:sld>
 </file>
 
-<file path=ppt/slides/slide29.xml><?xml version="1.0" encoding="utf-8"?>
-<p:sld xmlns:a="http://schemas.openxmlformats.org/drawingml/2006/main" xmlns:r="http://schemas.openxmlformats.org/officeDocument/2006/relationships" xmlns:p="http://schemas.openxmlformats.org/presentationml/2006/main">
-  <p:cSld>
-    <p:spTree>
-      <p:nvGrpSpPr>
-        <p:cNvPr id="1" name=""/>
-        <p:cNvGrpSpPr/>
-        <p:nvPr/>
-      </p:nvGrpSpPr>
-      <p:grpSpPr>
-        <a:xfrm>
-          <a:off x="0" y="0"/>
-          <a:ext cx="0" cy="0"/>
-          <a:chOff x="0" y="0"/>
-          <a:chExt cx="0" cy="0"/>
-        </a:xfrm>
-      </p:grpSpPr>
-      <p:sp>
-        <p:nvSpPr>
-          <p:cNvPr id="70659" name="Rectangle 2"/>
-          <p:cNvSpPr>
-            <a:spLocks noGrp="1" noChangeArrowheads="1"/>
-          </p:cNvSpPr>
-          <p:nvPr>
-            <p:ph type="title"/>
-          </p:nvPr>
-        </p:nvSpPr>
-        <p:spPr/>
-        <p:txBody>
-          <a:bodyPr/>
-          <a:lstStyle/>
-          <a:p>
-            <a:r>
-              <a:rPr lang="en-US" dirty="0"/>
-              <a:t>Question 223.5.6</a:t>
-            </a:r>
-          </a:p>
-        </p:txBody>
-      </p:sp>
-      <p:sp>
-        <p:nvSpPr>
-          <p:cNvPr id="70660" name="Rectangle 3"/>
-          <p:cNvSpPr>
-            <a:spLocks noGrp="1" noChangeArrowheads="1"/>
-          </p:cNvSpPr>
-          <p:nvPr>
-            <p:ph idx="1"/>
-          </p:nvPr>
-        </p:nvSpPr>
-        <p:spPr>
-          <a:xfrm>
-            <a:off x="476250" y="1371600"/>
-            <a:ext cx="8229600" cy="4525963"/>
-          </a:xfrm>
-        </p:spPr>
-        <p:txBody>
-          <a:bodyPr/>
-          <a:lstStyle/>
-          <a:p>
-            <a:pPr marL="609600" indent="-609600" eaLnBrk="1" hangingPunct="1">
-              <a:lnSpc>
-                <a:spcPct val="90000"/>
-              </a:lnSpc>
-              <a:buFontTx/>
-              <a:buNone/>
-            </a:pPr>
-            <a:r>
-              <a:rPr lang="en-US" dirty="0"/>
-              <a:t>Two pulses travel along a string in opposite directions. One pulse is inverted. When they meet, the string looks flat. Something must have canceled out.  What is it?</a:t>
-            </a:r>
-          </a:p>
-          <a:p>
-            <a:pPr marL="609600" indent="-609600" eaLnBrk="1" hangingPunct="1">
-              <a:lnSpc>
-                <a:spcPct val="90000"/>
-              </a:lnSpc>
-              <a:buFontTx/>
-              <a:buAutoNum type="alphaLcParenR"/>
-            </a:pPr>
-            <a:r>
-              <a:rPr lang="en-US" dirty="0"/>
-              <a:t>Wave velocities</a:t>
-            </a:r>
-          </a:p>
-          <a:p>
-            <a:pPr marL="609600" indent="-609600" eaLnBrk="1" hangingPunct="1">
-              <a:lnSpc>
-                <a:spcPct val="90000"/>
-              </a:lnSpc>
-              <a:buFontTx/>
-              <a:buAutoNum type="alphaLcParenR"/>
-            </a:pPr>
-            <a:r>
-              <a:rPr lang="en-US" dirty="0"/>
-              <a:t>Segment velocities</a:t>
-            </a:r>
-          </a:p>
-          <a:p>
-            <a:pPr marL="609600" indent="-609600" eaLnBrk="1" hangingPunct="1">
-              <a:lnSpc>
-                <a:spcPct val="90000"/>
-              </a:lnSpc>
-              <a:buFontTx/>
-              <a:buAutoNum type="alphaLcParenR"/>
-            </a:pPr>
-            <a:r>
-              <a:rPr lang="en-US" dirty="0"/>
-              <a:t>Energy of the waves</a:t>
-            </a:r>
-          </a:p>
-          <a:p>
-            <a:pPr marL="609600" indent="-609600" eaLnBrk="1" hangingPunct="1">
-              <a:lnSpc>
-                <a:spcPct val="90000"/>
-              </a:lnSpc>
-              <a:buFontTx/>
-              <a:buAutoNum type="alphaLcParenR"/>
-            </a:pPr>
-            <a:r>
-              <a:rPr lang="en-US" dirty="0"/>
-              <a:t>Power of the waves</a:t>
-            </a:r>
-          </a:p>
-        </p:txBody>
-      </p:sp>
-      <p:sp>
-        <p:nvSpPr>
-          <p:cNvPr id="70658" name="Slide Number Placeholder 5"/>
-          <p:cNvSpPr>
-            <a:spLocks noGrp="1"/>
-          </p:cNvSpPr>
-          <p:nvPr>
-            <p:ph type="sldNum" sz="quarter" idx="12"/>
-          </p:nvPr>
-        </p:nvSpPr>
-        <p:spPr>
-          <a:noFill/>
-        </p:spPr>
-        <p:txBody>
-          <a:bodyPr/>
-          <a:lstStyle/>
-          <a:p>
-            <a:fld id="{85539879-F00E-4549-815A-3F0634DD4490}" type="slidenum">
-              <a:rPr lang="en-US" smtClean="0"/>
-              <a:pPr/>
-              <a:t>29</a:t>
-            </a:fld>
-            <a:endParaRPr lang="en-US"/>
-          </a:p>
-        </p:txBody>
-      </p:sp>
-    </p:spTree>
-  </p:cSld>
-  <p:clrMapOvr>
-    <a:masterClrMapping/>
-  </p:clrMapOvr>
-</p:sld>
-</file>
-
 <file path=ppt/slides/slide3.xml><?xml version="1.0" encoding="utf-8"?>
 <p:sld xmlns:a="http://schemas.openxmlformats.org/drawingml/2006/main" xmlns:r="http://schemas.openxmlformats.org/officeDocument/2006/relationships" xmlns:p="http://schemas.openxmlformats.org/presentationml/2006/main">
   <p:cSld>
@@ -13999,6 +14033,165 @@
 </file>
 
 <file path=ppt/slides/slide30.xml><?xml version="1.0" encoding="utf-8"?>
+<p:sld xmlns:a="http://schemas.openxmlformats.org/drawingml/2006/main" xmlns:r="http://schemas.openxmlformats.org/officeDocument/2006/relationships" xmlns:p="http://schemas.openxmlformats.org/presentationml/2006/main">
+  <p:cSld>
+    <p:spTree>
+      <p:nvGrpSpPr>
+        <p:cNvPr id="1" name=""/>
+        <p:cNvGrpSpPr/>
+        <p:nvPr/>
+      </p:nvGrpSpPr>
+      <p:grpSpPr>
+        <a:xfrm>
+          <a:off x="0" y="0"/>
+          <a:ext cx="0" cy="0"/>
+          <a:chOff x="0" y="0"/>
+          <a:chExt cx="0" cy="0"/>
+        </a:xfrm>
+      </p:grpSpPr>
+      <p:sp>
+        <p:nvSpPr>
+          <p:cNvPr id="70659" name="Rectangle 2"/>
+          <p:cNvSpPr>
+            <a:spLocks noGrp="1" noChangeArrowheads="1"/>
+          </p:cNvSpPr>
+          <p:nvPr>
+            <p:ph type="title"/>
+          </p:nvPr>
+        </p:nvSpPr>
+        <p:spPr/>
+        <p:txBody>
+          <a:bodyPr/>
+          <a:lstStyle/>
+          <a:p>
+            <a:r>
+              <a:rPr lang="en-US" dirty="0"/>
+              <a:t>Question 223.5.6</a:t>
+            </a:r>
+          </a:p>
+        </p:txBody>
+      </p:sp>
+      <p:sp>
+        <p:nvSpPr>
+          <p:cNvPr id="70660" name="Rectangle 3"/>
+          <p:cNvSpPr>
+            <a:spLocks noGrp="1" noChangeArrowheads="1"/>
+          </p:cNvSpPr>
+          <p:nvPr>
+            <p:ph idx="1"/>
+          </p:nvPr>
+        </p:nvSpPr>
+        <p:spPr>
+          <a:xfrm>
+            <a:off x="476250" y="1371600"/>
+            <a:ext cx="8229600" cy="4525963"/>
+          </a:xfrm>
+        </p:spPr>
+        <p:txBody>
+          <a:bodyPr/>
+          <a:lstStyle/>
+          <a:p>
+            <a:pPr marL="609600" indent="-609600" eaLnBrk="1" hangingPunct="1">
+              <a:lnSpc>
+                <a:spcPct val="90000"/>
+              </a:lnSpc>
+              <a:buFontTx/>
+              <a:buNone/>
+            </a:pPr>
+            <a:r>
+              <a:rPr lang="en-US" dirty="0"/>
+              <a:t>Two pulses travel along a string in opposite directions. One pulse is inverted. When they meet, the string looks flat. Something must have canceled out.  What is it?</a:t>
+            </a:r>
+          </a:p>
+          <a:p>
+            <a:pPr marL="609600" indent="-609600" eaLnBrk="1" hangingPunct="1">
+              <a:lnSpc>
+                <a:spcPct val="90000"/>
+              </a:lnSpc>
+              <a:buFontTx/>
+              <a:buAutoNum type="alphaLcParenR"/>
+            </a:pPr>
+            <a:r>
+              <a:rPr lang="en-US" dirty="0"/>
+              <a:t>Wave velocities</a:t>
+            </a:r>
+          </a:p>
+          <a:p>
+            <a:pPr marL="609600" indent="-609600" eaLnBrk="1" hangingPunct="1">
+              <a:lnSpc>
+                <a:spcPct val="90000"/>
+              </a:lnSpc>
+              <a:buFontTx/>
+              <a:buAutoNum type="alphaLcParenR"/>
+            </a:pPr>
+            <a:r>
+              <a:rPr lang="en-US" dirty="0"/>
+              <a:t>Segment velocities</a:t>
+            </a:r>
+          </a:p>
+          <a:p>
+            <a:pPr marL="609600" indent="-609600" eaLnBrk="1" hangingPunct="1">
+              <a:lnSpc>
+                <a:spcPct val="90000"/>
+              </a:lnSpc>
+              <a:buFontTx/>
+              <a:buAutoNum type="alphaLcParenR"/>
+            </a:pPr>
+            <a:r>
+              <a:rPr lang="en-US" dirty="0"/>
+              <a:t>Energy of the waves</a:t>
+            </a:r>
+          </a:p>
+          <a:p>
+            <a:pPr marL="609600" indent="-609600" eaLnBrk="1" hangingPunct="1">
+              <a:lnSpc>
+                <a:spcPct val="90000"/>
+              </a:lnSpc>
+              <a:buFontTx/>
+              <a:buAutoNum type="alphaLcParenR"/>
+            </a:pPr>
+            <a:r>
+              <a:rPr lang="en-US" dirty="0"/>
+              <a:t>Power of the waves</a:t>
+            </a:r>
+          </a:p>
+        </p:txBody>
+      </p:sp>
+      <p:sp>
+        <p:nvSpPr>
+          <p:cNvPr id="70658" name="Slide Number Placeholder 5"/>
+          <p:cNvSpPr>
+            <a:spLocks noGrp="1"/>
+          </p:cNvSpPr>
+          <p:nvPr>
+            <p:ph type="sldNum" sz="quarter" idx="12"/>
+          </p:nvPr>
+        </p:nvSpPr>
+        <p:spPr>
+          <a:noFill/>
+        </p:spPr>
+        <p:txBody>
+          <a:bodyPr/>
+          <a:lstStyle/>
+          <a:p>
+            <a:fld id="{85539879-F00E-4549-815A-3F0634DD4490}" type="slidenum">
+              <a:rPr lang="en-US" smtClean="0"/>
+              <a:pPr/>
+              <a:t>30</a:t>
+            </a:fld>
+            <a:endParaRPr lang="en-US"/>
+          </a:p>
+        </p:txBody>
+      </p:sp>
+    </p:spTree>
+  </p:cSld>
+  <p:clrMapOvr>
+    <a:masterClrMapping/>
+  </p:clrMapOvr>
+</p:sld>
+</file>
+
+<file path=ppt/slides/slide31.xml><?xml version="1.0" encoding="utf-8"?>
 <p:sld xmlns:a="http://schemas.openxmlformats.org/drawingml/2006/main" xmlns:r="http://schemas.openxmlformats.org/officeDocument/2006/relationships" xmlns:p="http://schemas.openxmlformats.org/presentationml/2006/main">
   <p:cSld>
     <p:spTree>
@@ -14182,7 +14375,7 @@
 </p:sld>
 </file>
 
-<file path=ppt/slides/slide31.xml><?xml version="1.0" encoding="utf-8"?>
+<file path=ppt/slides/slide32.xml><?xml version="1.0" encoding="utf-8"?>
 <p:sld xmlns:a="http://schemas.openxmlformats.org/drawingml/2006/main" xmlns:r="http://schemas.openxmlformats.org/officeDocument/2006/relationships" xmlns:p="http://schemas.openxmlformats.org/presentationml/2006/main">
   <p:cSld>
     <p:spTree>
@@ -14366,7 +14559,7 @@
 </p:sld>
 </file>
 
-<file path=ppt/slides/slide32.xml><?xml version="1.0" encoding="utf-8"?>
+<file path=ppt/slides/slide33.xml><?xml version="1.0" encoding="utf-8"?>
 <p:sld xmlns:a="http://schemas.openxmlformats.org/drawingml/2006/main" xmlns:r="http://schemas.openxmlformats.org/officeDocument/2006/relationships" xmlns:p="http://schemas.openxmlformats.org/presentationml/2006/main">
   <p:cSld>
     <p:spTree>
@@ -14596,7 +14789,7 @@
 </p:sld>
 </file>
 
-<file path=ppt/slides/slide33.xml><?xml version="1.0" encoding="utf-8"?>
+<file path=ppt/slides/slide34.xml><?xml version="1.0" encoding="utf-8"?>
 <p:sld xmlns:a="http://schemas.openxmlformats.org/drawingml/2006/main" xmlns:r="http://schemas.openxmlformats.org/officeDocument/2006/relationships" xmlns:p="http://schemas.openxmlformats.org/presentationml/2006/main">
   <p:cSld>
     <p:spTree>
@@ -14820,7 +15013,7 @@
 </p:sld>
 </file>
 
-<file path=ppt/slides/slide34.xml><?xml version="1.0" encoding="utf-8"?>
+<file path=ppt/slides/slide35.xml><?xml version="1.0" encoding="utf-8"?>
 <p:sld xmlns:a="http://schemas.openxmlformats.org/drawingml/2006/main" xmlns:r="http://schemas.openxmlformats.org/officeDocument/2006/relationships" xmlns:p="http://schemas.openxmlformats.org/presentationml/2006/main">
   <p:cSld>
     <p:spTree>
@@ -14877,86 +15070,6 @@
 </p:sld>
 </file>
 
-<file path=ppt/slides/slide35.xml><?xml version="1.0" encoding="utf-8"?>
-<p:sld xmlns:a="http://schemas.openxmlformats.org/drawingml/2006/main" xmlns:r="http://schemas.openxmlformats.org/officeDocument/2006/relationships" xmlns:p="http://schemas.openxmlformats.org/presentationml/2006/main">
-  <p:cSld>
-    <p:spTree>
-      <p:nvGrpSpPr>
-        <p:cNvPr id="1" name=""/>
-        <p:cNvGrpSpPr/>
-        <p:nvPr/>
-      </p:nvGrpSpPr>
-      <p:grpSpPr>
-        <a:xfrm>
-          <a:off x="0" y="0"/>
-          <a:ext cx="0" cy="0"/>
-          <a:chOff x="0" y="0"/>
-          <a:chExt cx="0" cy="0"/>
-        </a:xfrm>
-      </p:grpSpPr>
-      <p:sp>
-        <p:nvSpPr>
-          <p:cNvPr id="2" name="Title 1"/>
-          <p:cNvSpPr>
-            <a:spLocks noGrp="1"/>
-          </p:cNvSpPr>
-          <p:nvPr>
-            <p:ph type="title"/>
-          </p:nvPr>
-        </p:nvSpPr>
-        <p:spPr/>
-        <p:txBody>
-          <a:bodyPr/>
-          <a:lstStyle/>
-          <a:p>
-            <a:r>
-              <a:rPr lang="en-US" dirty="0"/>
-              <a:t>Constructive Interference</a:t>
-            </a:r>
-          </a:p>
-        </p:txBody>
-      </p:sp>
-      <p:pic>
-        <p:nvPicPr>
-          <p:cNvPr id="31746" name="Picture 2"/>
-          <p:cNvPicPr>
-            <a:picLocks noChangeAspect="1" noChangeArrowheads="1"/>
-          </p:cNvPicPr>
-          <p:nvPr/>
-        </p:nvPicPr>
-        <p:blipFill>
-          <a:blip r:embed="rId2" cstate="print"/>
-          <a:srcRect/>
-          <a:stretch>
-            <a:fillRect/>
-          </a:stretch>
-        </p:blipFill>
-        <p:spPr bwMode="auto">
-          <a:xfrm>
-            <a:off x="2438400" y="1524000"/>
-            <a:ext cx="3810000" cy="4522304"/>
-          </a:xfrm>
-          <a:prstGeom prst="rect">
-            <a:avLst/>
-          </a:prstGeom>
-          <a:noFill/>
-          <a:ln w="9525">
-            <a:noFill/>
-            <a:miter lim="800000"/>
-            <a:headEnd/>
-            <a:tailEnd/>
-          </a:ln>
-          <a:effectLst/>
-        </p:spPr>
-      </p:pic>
-    </p:spTree>
-  </p:cSld>
-  <p:clrMapOvr>
-    <a:masterClrMapping/>
-  </p:clrMapOvr>
-</p:sld>
-</file>
-
 <file path=ppt/slides/slide36.xml><?xml version="1.0" encoding="utf-8"?>
 <p:sld xmlns:a="http://schemas.openxmlformats.org/drawingml/2006/main" xmlns:r="http://schemas.openxmlformats.org/officeDocument/2006/relationships" xmlns:p="http://schemas.openxmlformats.org/presentationml/2006/main">
   <p:cSld>
@@ -14991,14 +15104,14 @@
           <a:p>
             <a:r>
               <a:rPr lang="en-US" dirty="0"/>
-              <a:t>Destructive Interference</a:t>
+              <a:t>Constructive Interference</a:t>
             </a:r>
           </a:p>
         </p:txBody>
       </p:sp>
       <p:pic>
         <p:nvPicPr>
-          <p:cNvPr id="32770" name="Picture 2"/>
+          <p:cNvPr id="31746" name="Picture 2"/>
           <p:cNvPicPr>
             <a:picLocks noChangeAspect="1" noChangeArrowheads="1"/>
           </p:cNvPicPr>
@@ -15013,8 +15126,8 @@
         </p:blipFill>
         <p:spPr bwMode="auto">
           <a:xfrm>
-            <a:off x="3124200" y="1524000"/>
-            <a:ext cx="3686175" cy="4615732"/>
+            <a:off x="2438400" y="1524000"/>
+            <a:ext cx="3810000" cy="4522304"/>
           </a:xfrm>
           <a:prstGeom prst="rect">
             <a:avLst/>
@@ -15071,98 +15184,45 @@
           <a:p>
             <a:r>
               <a:rPr lang="en-US" dirty="0"/>
-              <a:t>Question 223.6.0.1</a:t>
+              <a:t>Destructive Interference</a:t>
             </a:r>
           </a:p>
         </p:txBody>
       </p:sp>
-      <p:sp>
-        <p:nvSpPr>
-          <p:cNvPr id="3" name="Content Placeholder 2"/>
-          <p:cNvSpPr>
-            <a:spLocks noGrp="1"/>
-          </p:cNvSpPr>
-          <p:nvPr>
-            <p:ph idx="1"/>
-          </p:nvPr>
-        </p:nvSpPr>
-        <p:spPr/>
-        <p:txBody>
-          <a:bodyPr/>
-          <a:lstStyle/>
-          <a:p>
-            <a:pPr marL="0" indent="0">
-              <a:buNone/>
-            </a:pPr>
-            <a:r>
-              <a:rPr lang="en-US" dirty="0"/>
-              <a:t>I have two sinusoidal waves in the same medium. The waves travel the same direction (unlike our class demonstration).  If the resultant wave has a larger amplitude than the original waves we call this…</a:t>
-            </a:r>
-          </a:p>
-          <a:p>
-            <a:pPr marL="514350" indent="-514350">
-              <a:buAutoNum type="alphaLcParenR"/>
-            </a:pPr>
-            <a:r>
-              <a:rPr lang="en-US" dirty="0"/>
-              <a:t>Constructive interference</a:t>
-            </a:r>
-          </a:p>
-          <a:p>
-            <a:pPr marL="514350" indent="-514350">
-              <a:buAutoNum type="alphaLcParenR"/>
-            </a:pPr>
-            <a:r>
-              <a:rPr lang="en-US" dirty="0"/>
-              <a:t>Destructive interference</a:t>
-            </a:r>
-          </a:p>
-          <a:p>
-            <a:pPr marL="514350" indent="-514350">
-              <a:buAutoNum type="alphaLcParenR"/>
-            </a:pPr>
-            <a:r>
-              <a:rPr lang="en-US" dirty="0"/>
-              <a:t>A miracle</a:t>
-            </a:r>
-          </a:p>
-        </p:txBody>
-      </p:sp>
-      <p:sp>
-        <p:nvSpPr>
-          <p:cNvPr id="4" name="Slide Number Placeholder 3"/>
-          <p:cNvSpPr>
-            <a:spLocks noGrp="1"/>
-          </p:cNvSpPr>
-          <p:nvPr>
-            <p:ph type="sldNum" sz="quarter" idx="12"/>
-          </p:nvPr>
-        </p:nvSpPr>
-        <p:spPr/>
-        <p:txBody>
-          <a:bodyPr/>
-          <a:lstStyle/>
-          <a:p>
-            <a:pPr>
-              <a:defRPr/>
-            </a:pPr>
-            <a:fld id="{64137B81-8888-4253-92EC-0AED2A590749}" type="slidenum">
-              <a:rPr lang="en-US" smtClean="0"/>
-              <a:pPr>
-                <a:defRPr/>
-              </a:pPr>
-              <a:t>37</a:t>
-            </a:fld>
-            <a:endParaRPr lang="en-US"/>
-          </a:p>
-        </p:txBody>
-      </p:sp>
+      <p:pic>
+        <p:nvPicPr>
+          <p:cNvPr id="32770" name="Picture 2"/>
+          <p:cNvPicPr>
+            <a:picLocks noChangeAspect="1" noChangeArrowheads="1"/>
+          </p:cNvPicPr>
+          <p:nvPr/>
+        </p:nvPicPr>
+        <p:blipFill>
+          <a:blip r:embed="rId2" cstate="print"/>
+          <a:srcRect/>
+          <a:stretch>
+            <a:fillRect/>
+          </a:stretch>
+        </p:blipFill>
+        <p:spPr bwMode="auto">
+          <a:xfrm>
+            <a:off x="3124200" y="1524000"/>
+            <a:ext cx="3686175" cy="4615732"/>
+          </a:xfrm>
+          <a:prstGeom prst="rect">
+            <a:avLst/>
+          </a:prstGeom>
+          <a:noFill/>
+          <a:ln w="9525">
+            <a:noFill/>
+            <a:miter lim="800000"/>
+            <a:headEnd/>
+            <a:tailEnd/>
+          </a:ln>
+          <a:effectLst/>
+        </p:spPr>
+      </p:pic>
     </p:spTree>
-    <p:extLst>
-      <p:ext uri="{BB962C8B-B14F-4D97-AF65-F5344CB8AC3E}">
-        <p14:creationId xmlns:p14="http://schemas.microsoft.com/office/powerpoint/2010/main" val="2928936320"/>
-      </p:ext>
-    </p:extLst>
   </p:cSld>
   <p:clrMapOvr>
     <a:masterClrMapping/>
@@ -15204,7 +15264,7 @@
           <a:p>
             <a:r>
               <a:rPr lang="en-US" dirty="0"/>
-              <a:t>Question 223.6.0.2</a:t>
+              <a:t>Question 223.6.0.1</a:t>
             </a:r>
           </a:p>
         </p:txBody>
@@ -15229,7 +15289,7 @@
             </a:pPr>
             <a:r>
               <a:rPr lang="en-US" dirty="0"/>
-              <a:t>I have two sinusoidal waves in the same medium. The waves travel the same direction (unlike our class demonstration).  If the resultant wave has a smaller amplitude than the original waves we call this…</a:t>
+              <a:t>I have two sinusoidal waves in the same medium. The waves travel the same direction (unlike our class demonstration).  If the resultant wave has a larger amplitude than the original waves we call this…</a:t>
             </a:r>
           </a:p>
           <a:p>
@@ -15256,7 +15316,7 @@
             </a:pPr>
             <a:r>
               <a:rPr lang="en-US" dirty="0"/>
-              <a:t>Depressing</a:t>
+              <a:t>A miracle</a:t>
             </a:r>
           </a:p>
         </p:txBody>
@@ -15293,6 +15353,139 @@
     </p:spTree>
     <p:extLst>
       <p:ext uri="{BB962C8B-B14F-4D97-AF65-F5344CB8AC3E}">
+        <p14:creationId xmlns:p14="http://schemas.microsoft.com/office/powerpoint/2010/main" val="2928936320"/>
+      </p:ext>
+    </p:extLst>
+  </p:cSld>
+  <p:clrMapOvr>
+    <a:masterClrMapping/>
+  </p:clrMapOvr>
+</p:sld>
+</file>
+
+<file path=ppt/slides/slide39.xml><?xml version="1.0" encoding="utf-8"?>
+<p:sld xmlns:a="http://schemas.openxmlformats.org/drawingml/2006/main" xmlns:r="http://schemas.openxmlformats.org/officeDocument/2006/relationships" xmlns:p="http://schemas.openxmlformats.org/presentationml/2006/main">
+  <p:cSld>
+    <p:spTree>
+      <p:nvGrpSpPr>
+        <p:cNvPr id="1" name=""/>
+        <p:cNvGrpSpPr/>
+        <p:nvPr/>
+      </p:nvGrpSpPr>
+      <p:grpSpPr>
+        <a:xfrm>
+          <a:off x="0" y="0"/>
+          <a:ext cx="0" cy="0"/>
+          <a:chOff x="0" y="0"/>
+          <a:chExt cx="0" cy="0"/>
+        </a:xfrm>
+      </p:grpSpPr>
+      <p:sp>
+        <p:nvSpPr>
+          <p:cNvPr id="2" name="Title 1"/>
+          <p:cNvSpPr>
+            <a:spLocks noGrp="1"/>
+          </p:cNvSpPr>
+          <p:nvPr>
+            <p:ph type="title"/>
+          </p:nvPr>
+        </p:nvSpPr>
+        <p:spPr/>
+        <p:txBody>
+          <a:bodyPr/>
+          <a:lstStyle/>
+          <a:p>
+            <a:r>
+              <a:rPr lang="en-US" dirty="0"/>
+              <a:t>Question 223.6.0.2</a:t>
+            </a:r>
+          </a:p>
+        </p:txBody>
+      </p:sp>
+      <p:sp>
+        <p:nvSpPr>
+          <p:cNvPr id="3" name="Content Placeholder 2"/>
+          <p:cNvSpPr>
+            <a:spLocks noGrp="1"/>
+          </p:cNvSpPr>
+          <p:nvPr>
+            <p:ph idx="1"/>
+          </p:nvPr>
+        </p:nvSpPr>
+        <p:spPr/>
+        <p:txBody>
+          <a:bodyPr/>
+          <a:lstStyle/>
+          <a:p>
+            <a:pPr marL="0" indent="0">
+              <a:buNone/>
+            </a:pPr>
+            <a:r>
+              <a:rPr lang="en-US" dirty="0"/>
+              <a:t>I have two sinusoidal waves in the same medium. The waves travel the same direction (unlike our class demonstration).  If the resultant wave has a smaller amplitude than the original waves we call this…</a:t>
+            </a:r>
+          </a:p>
+          <a:p>
+            <a:pPr marL="514350" indent="-514350">
+              <a:buAutoNum type="alphaLcParenR"/>
+            </a:pPr>
+            <a:r>
+              <a:rPr lang="en-US" dirty="0"/>
+              <a:t>Constructive interference</a:t>
+            </a:r>
+          </a:p>
+          <a:p>
+            <a:pPr marL="514350" indent="-514350">
+              <a:buAutoNum type="alphaLcParenR"/>
+            </a:pPr>
+            <a:r>
+              <a:rPr lang="en-US" dirty="0"/>
+              <a:t>Destructive interference</a:t>
+            </a:r>
+          </a:p>
+          <a:p>
+            <a:pPr marL="514350" indent="-514350">
+              <a:buAutoNum type="alphaLcParenR"/>
+            </a:pPr>
+            <a:r>
+              <a:rPr lang="en-US" dirty="0"/>
+              <a:t>Depressing</a:t>
+            </a:r>
+          </a:p>
+        </p:txBody>
+      </p:sp>
+      <p:sp>
+        <p:nvSpPr>
+          <p:cNvPr id="4" name="Slide Number Placeholder 3"/>
+          <p:cNvSpPr>
+            <a:spLocks noGrp="1"/>
+          </p:cNvSpPr>
+          <p:nvPr>
+            <p:ph type="sldNum" sz="quarter" idx="12"/>
+          </p:nvPr>
+        </p:nvSpPr>
+        <p:spPr/>
+        <p:txBody>
+          <a:bodyPr/>
+          <a:lstStyle/>
+          <a:p>
+            <a:pPr>
+              <a:defRPr/>
+            </a:pPr>
+            <a:fld id="{64137B81-8888-4253-92EC-0AED2A590749}" type="slidenum">
+              <a:rPr lang="en-US" smtClean="0"/>
+              <a:pPr>
+                <a:defRPr/>
+              </a:pPr>
+              <a:t>39</a:t>
+            </a:fld>
+            <a:endParaRPr lang="en-US"/>
+          </a:p>
+        </p:txBody>
+      </p:sp>
+    </p:spTree>
+    <p:extLst>
+      <p:ext uri="{BB962C8B-B14F-4D97-AF65-F5344CB8AC3E}">
         <p14:creationId xmlns:p14="http://schemas.microsoft.com/office/powerpoint/2010/main" val="1324548253"/>
       </p:ext>
     </p:extLst>
@@ -15303,7 +15496,129 @@
 </p:sld>
 </file>
 
-<file path=ppt/slides/slide39.xml><?xml version="1.0" encoding="utf-8"?>
+<file path=ppt/slides/slide4.xml><?xml version="1.0" encoding="utf-8"?>
+<p:sld xmlns:a="http://schemas.openxmlformats.org/drawingml/2006/main" xmlns:r="http://schemas.openxmlformats.org/officeDocument/2006/relationships" xmlns:p="http://schemas.openxmlformats.org/presentationml/2006/main">
+  <p:cSld>
+    <p:spTree>
+      <p:nvGrpSpPr>
+        <p:cNvPr id="1" name=""/>
+        <p:cNvGrpSpPr/>
+        <p:nvPr/>
+      </p:nvGrpSpPr>
+      <p:grpSpPr>
+        <a:xfrm>
+          <a:off x="0" y="0"/>
+          <a:ext cx="0" cy="0"/>
+          <a:chOff x="0" y="0"/>
+          <a:chExt cx="0" cy="0"/>
+        </a:xfrm>
+      </p:grpSpPr>
+      <p:sp>
+        <p:nvSpPr>
+          <p:cNvPr id="601089" name="Title 1"/>
+          <p:cNvSpPr>
+            <a:spLocks noGrp="1"/>
+          </p:cNvSpPr>
+          <p:nvPr>
+            <p:ph type="title"/>
+          </p:nvPr>
+        </p:nvSpPr>
+        <p:spPr/>
+        <p:txBody>
+          <a:bodyPr>
+            <a:normAutofit fontScale="90000"/>
+          </a:bodyPr>
+          <a:lstStyle/>
+          <a:p>
+            <a:r>
+              <a:rPr lang="en-US" dirty="0"/>
+              <a:t>Question 223.5.3 Question 123.22.15</a:t>
+            </a:r>
+          </a:p>
+        </p:txBody>
+      </p:sp>
+      <p:sp>
+        <p:nvSpPr>
+          <p:cNvPr id="3" name="Content Placeholder 2"/>
+          <p:cNvSpPr>
+            <a:spLocks noGrp="1"/>
+          </p:cNvSpPr>
+          <p:nvPr>
+            <p:ph idx="1"/>
+          </p:nvPr>
+        </p:nvSpPr>
+        <p:spPr/>
+        <p:txBody>
+          <a:bodyPr>
+            <a:normAutofit lnSpcReduction="10000"/>
+          </a:bodyPr>
+          <a:lstStyle/>
+          <a:p>
+            <a:pPr>
+              <a:buFontTx/>
+              <a:buNone/>
+              <a:defRPr/>
+            </a:pPr>
+            <a:r>
+              <a:rPr lang="en-US" dirty="0"/>
+              <a:t>You are sitting on the Hogwarts Express. It  is just leaving the station. The whistle blows. The engineer (if there is one) hears a perfect middle C (256 Hz). What do you hear as the train leaves?</a:t>
+            </a:r>
+          </a:p>
+          <a:p>
+            <a:pPr marL="514350" indent="-514350">
+              <a:buFontTx/>
+              <a:buAutoNum type="alphaLcParenR"/>
+              <a:defRPr/>
+            </a:pPr>
+            <a:r>
+              <a:rPr lang="en-US" dirty="0"/>
+              <a:t>A higher pitch than 256 Hz</a:t>
+            </a:r>
+          </a:p>
+          <a:p>
+            <a:pPr marL="514350" indent="-514350">
+              <a:buFontTx/>
+              <a:buAutoNum type="alphaLcParenR"/>
+              <a:defRPr/>
+            </a:pPr>
+            <a:r>
+              <a:rPr lang="en-US" dirty="0"/>
+              <a:t>A lower pitch than 256 Hz</a:t>
+            </a:r>
+          </a:p>
+          <a:p>
+            <a:pPr marL="514350" indent="-514350">
+              <a:buFontTx/>
+              <a:buAutoNum type="alphaLcParenR"/>
+              <a:defRPr/>
+            </a:pPr>
+            <a:r>
+              <a:rPr lang="en-US" dirty="0"/>
+              <a:t>Middle C (256 Hz)</a:t>
+            </a:r>
+          </a:p>
+          <a:p>
+            <a:pPr marL="514350" indent="-514350">
+              <a:buFontTx/>
+              <a:buAutoNum type="alphaLcParenR"/>
+              <a:defRPr/>
+            </a:pPr>
+            <a:r>
+              <a:rPr lang="en-US" dirty="0"/>
+              <a:t>Nothing</a:t>
+            </a:r>
+          </a:p>
+        </p:txBody>
+      </p:sp>
+    </p:spTree>
+  </p:cSld>
+  <p:clrMapOvr>
+    <a:masterClrMapping/>
+  </p:clrMapOvr>
+</p:sld>
+</file>
+
+<file path=ppt/slides/slide40.xml><?xml version="1.0" encoding="utf-8"?>
 <p:sld xmlns:a="http://schemas.openxmlformats.org/drawingml/2006/main" xmlns:r="http://schemas.openxmlformats.org/officeDocument/2006/relationships" xmlns:p="http://schemas.openxmlformats.org/presentationml/2006/main">
   <p:cSld>
     <p:spTree>
@@ -15514,129 +15829,7 @@
 </p:sld>
 </file>
 
-<file path=ppt/slides/slide4.xml><?xml version="1.0" encoding="utf-8"?>
-<p:sld xmlns:a="http://schemas.openxmlformats.org/drawingml/2006/main" xmlns:r="http://schemas.openxmlformats.org/officeDocument/2006/relationships" xmlns:p="http://schemas.openxmlformats.org/presentationml/2006/main">
-  <p:cSld>
-    <p:spTree>
-      <p:nvGrpSpPr>
-        <p:cNvPr id="1" name=""/>
-        <p:cNvGrpSpPr/>
-        <p:nvPr/>
-      </p:nvGrpSpPr>
-      <p:grpSpPr>
-        <a:xfrm>
-          <a:off x="0" y="0"/>
-          <a:ext cx="0" cy="0"/>
-          <a:chOff x="0" y="0"/>
-          <a:chExt cx="0" cy="0"/>
-        </a:xfrm>
-      </p:grpSpPr>
-      <p:sp>
-        <p:nvSpPr>
-          <p:cNvPr id="601089" name="Title 1"/>
-          <p:cNvSpPr>
-            <a:spLocks noGrp="1"/>
-          </p:cNvSpPr>
-          <p:nvPr>
-            <p:ph type="title"/>
-          </p:nvPr>
-        </p:nvSpPr>
-        <p:spPr/>
-        <p:txBody>
-          <a:bodyPr>
-            <a:normAutofit fontScale="90000"/>
-          </a:bodyPr>
-          <a:lstStyle/>
-          <a:p>
-            <a:r>
-              <a:rPr lang="en-US" dirty="0"/>
-              <a:t>Question 223.5.3 Question 123.22.15</a:t>
-            </a:r>
-          </a:p>
-        </p:txBody>
-      </p:sp>
-      <p:sp>
-        <p:nvSpPr>
-          <p:cNvPr id="3" name="Content Placeholder 2"/>
-          <p:cNvSpPr>
-            <a:spLocks noGrp="1"/>
-          </p:cNvSpPr>
-          <p:nvPr>
-            <p:ph idx="1"/>
-          </p:nvPr>
-        </p:nvSpPr>
-        <p:spPr/>
-        <p:txBody>
-          <a:bodyPr>
-            <a:normAutofit lnSpcReduction="10000"/>
-          </a:bodyPr>
-          <a:lstStyle/>
-          <a:p>
-            <a:pPr>
-              <a:buFontTx/>
-              <a:buNone/>
-              <a:defRPr/>
-            </a:pPr>
-            <a:r>
-              <a:rPr lang="en-US" dirty="0"/>
-              <a:t>You are sitting on the Hogwarts Express. It  is just leaving the station. The whistle blows. The engineer (if there is one) hears a perfect middle C (256 Hz). What do you hear as the train leaves?</a:t>
-            </a:r>
-          </a:p>
-          <a:p>
-            <a:pPr marL="514350" indent="-514350">
-              <a:buFontTx/>
-              <a:buAutoNum type="alphaLcParenR"/>
-              <a:defRPr/>
-            </a:pPr>
-            <a:r>
-              <a:rPr lang="en-US" dirty="0"/>
-              <a:t>A higher pitch than 256 Hz</a:t>
-            </a:r>
-          </a:p>
-          <a:p>
-            <a:pPr marL="514350" indent="-514350">
-              <a:buFontTx/>
-              <a:buAutoNum type="alphaLcParenR"/>
-              <a:defRPr/>
-            </a:pPr>
-            <a:r>
-              <a:rPr lang="en-US" dirty="0"/>
-              <a:t>A lower pitch than 256 Hz</a:t>
-            </a:r>
-          </a:p>
-          <a:p>
-            <a:pPr marL="514350" indent="-514350">
-              <a:buFontTx/>
-              <a:buAutoNum type="alphaLcParenR"/>
-              <a:defRPr/>
-            </a:pPr>
-            <a:r>
-              <a:rPr lang="en-US" dirty="0"/>
-              <a:t>Middle C (256 Hz)</a:t>
-            </a:r>
-          </a:p>
-          <a:p>
-            <a:pPr marL="514350" indent="-514350">
-              <a:buFontTx/>
-              <a:buAutoNum type="alphaLcParenR"/>
-              <a:defRPr/>
-            </a:pPr>
-            <a:r>
-              <a:rPr lang="en-US" dirty="0"/>
-              <a:t>Nothing</a:t>
-            </a:r>
-          </a:p>
-        </p:txBody>
-      </p:sp>
-    </p:spTree>
-  </p:cSld>
-  <p:clrMapOvr>
-    <a:masterClrMapping/>
-  </p:clrMapOvr>
-</p:sld>
-</file>
-
-<file path=ppt/slides/slide40.xml><?xml version="1.0" encoding="utf-8"?>
+<file path=ppt/slides/slide41.xml><?xml version="1.0" encoding="utf-8"?>
 <p:sld xmlns:a="http://schemas.openxmlformats.org/drawingml/2006/main" xmlns:r="http://schemas.openxmlformats.org/officeDocument/2006/relationships" xmlns:p="http://schemas.openxmlformats.org/presentationml/2006/main">
   <p:cSld>
     <p:spTree>
@@ -15834,7 +16027,7 @@
 </p:sld>
 </file>
 
-<file path=ppt/slides/slide41.xml><?xml version="1.0" encoding="utf-8"?>
+<file path=ppt/slides/slide42.xml><?xml version="1.0" encoding="utf-8"?>
 <p:sld xmlns:a="http://schemas.openxmlformats.org/drawingml/2006/main" xmlns:r="http://schemas.openxmlformats.org/officeDocument/2006/relationships" xmlns:p="http://schemas.openxmlformats.org/presentationml/2006/main">
   <p:cSld>
     <p:spTree>
@@ -15864,7 +16057,7 @@
 </p:sld>
 </file>
 
-<file path=ppt/slides/slide42.xml><?xml version="1.0" encoding="utf-8"?>
+<file path=ppt/slides/slide43.xml><?xml version="1.0" encoding="utf-8"?>
 <p:sld xmlns:a="http://schemas.openxmlformats.org/drawingml/2006/main" xmlns:r="http://schemas.openxmlformats.org/officeDocument/2006/relationships" xmlns:p="http://schemas.openxmlformats.org/presentationml/2006/main">
   <p:cSld>
     <p:spTree>
@@ -16075,7 +16268,7 @@
 </p:sld>
 </file>
 
-<file path=ppt/slides/slide43.xml><?xml version="1.0" encoding="utf-8"?>
+<file path=ppt/slides/slide44.xml><?xml version="1.0" encoding="utf-8"?>
 <p:sld xmlns:a="http://schemas.openxmlformats.org/drawingml/2006/main" xmlns:r="http://schemas.openxmlformats.org/officeDocument/2006/relationships" xmlns:p="http://schemas.openxmlformats.org/presentationml/2006/main">
   <p:cSld>
     <p:spTree>
@@ -16208,7 +16401,7 @@
 </p:sld>
 </file>
 
-<file path=ppt/slides/slide44.xml><?xml version="1.0" encoding="utf-8"?>
+<file path=ppt/slides/slide45.xml><?xml version="1.0" encoding="utf-8"?>
 <p:sld xmlns:a="http://schemas.openxmlformats.org/drawingml/2006/main" xmlns:r="http://schemas.openxmlformats.org/officeDocument/2006/relationships" xmlns:p="http://schemas.openxmlformats.org/presentationml/2006/main">
   <p:cSld>
     <p:spTree>
@@ -16429,7 +16622,7 @@
 </p:sld>
 </file>
 
-<file path=ppt/slides/slide45.xml><?xml version="1.0" encoding="utf-8"?>
+<file path=ppt/slides/slide46.xml><?xml version="1.0" encoding="utf-8"?>
 <p:sld xmlns:a="http://schemas.openxmlformats.org/drawingml/2006/main" xmlns:r="http://schemas.openxmlformats.org/officeDocument/2006/relationships" xmlns:p="http://schemas.openxmlformats.org/presentationml/2006/main">
   <p:cSld>
     <p:spTree>
@@ -16650,7 +16843,7 @@
 </p:sld>
 </file>
 
-<file path=ppt/slides/slide46.xml><?xml version="1.0" encoding="utf-8"?>
+<file path=ppt/slides/slide47.xml><?xml version="1.0" encoding="utf-8"?>
 <p:sld xmlns:a="http://schemas.openxmlformats.org/drawingml/2006/main" xmlns:r="http://schemas.openxmlformats.org/officeDocument/2006/relationships" xmlns:p="http://schemas.openxmlformats.org/presentationml/2006/main">
   <p:cSld>
     <p:spTree>
@@ -16874,7 +17067,7 @@
 </p:sld>
 </file>
 
-<file path=ppt/slides/slide47.xml><?xml version="1.0" encoding="utf-8"?>
+<file path=ppt/slides/slide48.xml><?xml version="1.0" encoding="utf-8"?>
 <p:sld xmlns:a="http://schemas.openxmlformats.org/drawingml/2006/main" xmlns:r="http://schemas.openxmlformats.org/officeDocument/2006/relationships" xmlns:p="http://schemas.openxmlformats.org/presentationml/2006/main">
   <p:cSld>
     <p:spTree>
@@ -16969,7 +17162,7 @@
 </p:sld>
 </file>
 
-<file path=ppt/slides/slide48.xml><?xml version="1.0" encoding="utf-8"?>
+<file path=ppt/slides/slide49.xml><?xml version="1.0" encoding="utf-8"?>
 <p:sld xmlns:a="http://schemas.openxmlformats.org/drawingml/2006/main" xmlns:r="http://schemas.openxmlformats.org/officeDocument/2006/relationships" xmlns:p="http://schemas.openxmlformats.org/presentationml/2006/main">
   <p:cSld>
     <p:spTree>
@@ -17094,7 +17287,7 @@
               <a:pPr>
                 <a:defRPr/>
               </a:pPr>
-              <a:t>48</a:t>
+              <a:t>49</a:t>
             </a:fld>
             <a:endParaRPr lang="en-US"/>
           </a:p>
@@ -17106,82 +17299,6 @@
         <p14:creationId xmlns:p14="http://schemas.microsoft.com/office/powerpoint/2010/main" val="2726327072"/>
       </p:ext>
     </p:extLst>
-  </p:cSld>
-  <p:clrMapOvr>
-    <a:masterClrMapping/>
-  </p:clrMapOvr>
-</p:sld>
-</file>
-
-<file path=ppt/slides/slide49.xml><?xml version="1.0" encoding="utf-8"?>
-<p:sld xmlns:a="http://schemas.openxmlformats.org/drawingml/2006/main" xmlns:r="http://schemas.openxmlformats.org/officeDocument/2006/relationships" xmlns:p="http://schemas.openxmlformats.org/presentationml/2006/main">
-  <p:cSld>
-    <p:spTree>
-      <p:nvGrpSpPr>
-        <p:cNvPr id="1" name=""/>
-        <p:cNvGrpSpPr/>
-        <p:nvPr/>
-      </p:nvGrpSpPr>
-      <p:grpSpPr>
-        <a:xfrm>
-          <a:off x="0" y="0"/>
-          <a:ext cx="0" cy="0"/>
-          <a:chOff x="0" y="0"/>
-          <a:chExt cx="0" cy="0"/>
-        </a:xfrm>
-      </p:grpSpPr>
-      <p:sp>
-        <p:nvSpPr>
-          <p:cNvPr id="569345" name="Title 1"/>
-          <p:cNvSpPr>
-            <a:spLocks noGrp="1"/>
-          </p:cNvSpPr>
-          <p:nvPr>
-            <p:ph type="title"/>
-          </p:nvPr>
-        </p:nvSpPr>
-        <p:spPr/>
-        <p:txBody>
-          <a:bodyPr/>
-          <a:lstStyle/>
-          <a:p>
-            <a:endParaRPr lang="en-US"/>
-          </a:p>
-        </p:txBody>
-      </p:sp>
-      <p:pic>
-        <p:nvPicPr>
-          <p:cNvPr id="569346" name="Picture 3"/>
-          <p:cNvPicPr>
-            <a:picLocks noChangeAspect="1" noChangeArrowheads="1"/>
-          </p:cNvPicPr>
-          <p:nvPr/>
-        </p:nvPicPr>
-        <p:blipFill>
-          <a:blip r:embed="rId2" cstate="print"/>
-          <a:srcRect/>
-          <a:stretch>
-            <a:fillRect/>
-          </a:stretch>
-        </p:blipFill>
-        <p:spPr bwMode="auto">
-          <a:xfrm>
-            <a:off x="280988" y="1893888"/>
-            <a:ext cx="8523287" cy="3990975"/>
-          </a:xfrm>
-          <a:prstGeom prst="rect">
-            <a:avLst/>
-          </a:prstGeom>
-          <a:noFill/>
-          <a:ln w="9525">
-            <a:noFill/>
-            <a:miter lim="800000"/>
-            <a:headEnd/>
-            <a:tailEnd/>
-          </a:ln>
-        </p:spPr>
-      </p:pic>
-    </p:spTree>
   </p:cSld>
   <p:clrMapOvr>
     <a:masterClrMapping/>
@@ -18262,6 +18379,165 @@
       </p:grpSpPr>
       <p:sp>
         <p:nvSpPr>
+          <p:cNvPr id="4" name="Title 3">
+            <a:extLst>
+              <a:ext uri="{FF2B5EF4-FFF2-40B4-BE49-F238E27FC236}">
+                <a16:creationId xmlns:a16="http://schemas.microsoft.com/office/drawing/2014/main" id="{290B3E63-3E11-95F8-E6E6-4803C06441B7}"/>
+              </a:ext>
+            </a:extLst>
+          </p:cNvPr>
+          <p:cNvSpPr>
+            <a:spLocks noGrp="1"/>
+          </p:cNvSpPr>
+          <p:nvPr>
+            <p:ph type="ctrTitle"/>
+          </p:nvPr>
+        </p:nvSpPr>
+        <p:spPr/>
+        <p:txBody>
+          <a:bodyPr/>
+          <a:lstStyle/>
+          <a:p>
+            <a:r>
+              <a:rPr lang="en-US" dirty="0"/>
+              <a:t>END</a:t>
+            </a:r>
+          </a:p>
+        </p:txBody>
+      </p:sp>
+      <p:sp>
+        <p:nvSpPr>
+          <p:cNvPr id="5" name="Subtitle 4">
+            <a:extLst>
+              <a:ext uri="{FF2B5EF4-FFF2-40B4-BE49-F238E27FC236}">
+                <a16:creationId xmlns:a16="http://schemas.microsoft.com/office/drawing/2014/main" id="{CA72D322-1DE2-C875-8E34-EB4BCECFCFA7}"/>
+              </a:ext>
+            </a:extLst>
+          </p:cNvPr>
+          <p:cNvSpPr>
+            <a:spLocks noGrp="1"/>
+          </p:cNvSpPr>
+          <p:nvPr>
+            <p:ph type="subTitle" idx="1"/>
+          </p:nvPr>
+        </p:nvSpPr>
+        <p:spPr/>
+        <p:txBody>
+          <a:bodyPr/>
+          <a:lstStyle/>
+          <a:p>
+            <a:endParaRPr lang="en-US"/>
+          </a:p>
+        </p:txBody>
+      </p:sp>
+    </p:spTree>
+    <p:extLst>
+      <p:ext uri="{BB962C8B-B14F-4D97-AF65-F5344CB8AC3E}">
+        <p14:creationId xmlns:p14="http://schemas.microsoft.com/office/powerpoint/2010/main" val="1784524523"/>
+      </p:ext>
+    </p:extLst>
+  </p:cSld>
+  <p:clrMapOvr>
+    <a:masterClrMapping/>
+  </p:clrMapOvr>
+</p:sld>
+</file>
+
+<file path=ppt/slides/slide51.xml><?xml version="1.0" encoding="utf-8"?>
+<p:sld xmlns:a="http://schemas.openxmlformats.org/drawingml/2006/main" xmlns:r="http://schemas.openxmlformats.org/officeDocument/2006/relationships" xmlns:p="http://schemas.openxmlformats.org/presentationml/2006/main">
+  <p:cSld>
+    <p:spTree>
+      <p:nvGrpSpPr>
+        <p:cNvPr id="1" name=""/>
+        <p:cNvGrpSpPr/>
+        <p:nvPr/>
+      </p:nvGrpSpPr>
+      <p:grpSpPr>
+        <a:xfrm>
+          <a:off x="0" y="0"/>
+          <a:ext cx="0" cy="0"/>
+          <a:chOff x="0" y="0"/>
+          <a:chExt cx="0" cy="0"/>
+        </a:xfrm>
+      </p:grpSpPr>
+      <p:sp>
+        <p:nvSpPr>
+          <p:cNvPr id="569345" name="Title 1"/>
+          <p:cNvSpPr>
+            <a:spLocks noGrp="1"/>
+          </p:cNvSpPr>
+          <p:nvPr>
+            <p:ph type="title"/>
+          </p:nvPr>
+        </p:nvSpPr>
+        <p:spPr/>
+        <p:txBody>
+          <a:bodyPr/>
+          <a:lstStyle/>
+          <a:p>
+            <a:endParaRPr lang="en-US"/>
+          </a:p>
+        </p:txBody>
+      </p:sp>
+      <p:pic>
+        <p:nvPicPr>
+          <p:cNvPr id="569346" name="Picture 3"/>
+          <p:cNvPicPr>
+            <a:picLocks noChangeAspect="1" noChangeArrowheads="1"/>
+          </p:cNvPicPr>
+          <p:nvPr/>
+        </p:nvPicPr>
+        <p:blipFill>
+          <a:blip r:embed="rId2" cstate="print"/>
+          <a:srcRect/>
+          <a:stretch>
+            <a:fillRect/>
+          </a:stretch>
+        </p:blipFill>
+        <p:spPr bwMode="auto">
+          <a:xfrm>
+            <a:off x="280988" y="1893888"/>
+            <a:ext cx="8523287" cy="3990975"/>
+          </a:xfrm>
+          <a:prstGeom prst="rect">
+            <a:avLst/>
+          </a:prstGeom>
+          <a:noFill/>
+          <a:ln w="9525">
+            <a:noFill/>
+            <a:miter lim="800000"/>
+            <a:headEnd/>
+            <a:tailEnd/>
+          </a:ln>
+        </p:spPr>
+      </p:pic>
+    </p:spTree>
+  </p:cSld>
+  <p:clrMapOvr>
+    <a:masterClrMapping/>
+  </p:clrMapOvr>
+</p:sld>
+</file>
+
+<file path=ppt/slides/slide52.xml><?xml version="1.0" encoding="utf-8"?>
+<p:sld xmlns:a="http://schemas.openxmlformats.org/drawingml/2006/main" xmlns:r="http://schemas.openxmlformats.org/officeDocument/2006/relationships" xmlns:p="http://schemas.openxmlformats.org/presentationml/2006/main">
+  <p:cSld>
+    <p:spTree>
+      <p:nvGrpSpPr>
+        <p:cNvPr id="1" name=""/>
+        <p:cNvGrpSpPr/>
+        <p:nvPr/>
+      </p:nvGrpSpPr>
+      <p:grpSpPr>
+        <a:xfrm>
+          <a:off x="0" y="0"/>
+          <a:ext cx="0" cy="0"/>
+          <a:chOff x="0" y="0"/>
+          <a:chExt cx="0" cy="0"/>
+        </a:xfrm>
+      </p:grpSpPr>
+      <p:sp>
+        <p:nvSpPr>
           <p:cNvPr id="570369" name="Title 1"/>
           <p:cNvSpPr>
             <a:spLocks noGrp="1"/>
@@ -18319,7 +18595,7 @@
 </p:sld>
 </file>
 
-<file path=ppt/slides/slide51.xml><?xml version="1.0" encoding="utf-8"?>
+<file path=ppt/slides/slide53.xml><?xml version="1.0" encoding="utf-8"?>
 <p:sld xmlns:a="http://schemas.openxmlformats.org/drawingml/2006/main" xmlns:r="http://schemas.openxmlformats.org/officeDocument/2006/relationships" xmlns:p="http://schemas.openxmlformats.org/presentationml/2006/main">
   <p:cSld>
     <p:spTree>
@@ -18395,7 +18671,7 @@
 </p:sld>
 </file>
 
-<file path=ppt/slides/slide52.xml><?xml version="1.0" encoding="utf-8"?>
+<file path=ppt/slides/slide54.xml><?xml version="1.0" encoding="utf-8"?>
 <p:sld xmlns:a="http://schemas.openxmlformats.org/drawingml/2006/main" xmlns:r="http://schemas.openxmlformats.org/officeDocument/2006/relationships" xmlns:p="http://schemas.openxmlformats.org/presentationml/2006/main">
   <p:cSld>
     <p:spTree>
@@ -18619,7 +18895,7 @@
 </p:sld>
 </file>
 
-<file path=ppt/slides/slide53.xml><?xml version="1.0" encoding="utf-8"?>
+<file path=ppt/slides/slide55.xml><?xml version="1.0" encoding="utf-8"?>
 <p:sld xmlns:a="http://schemas.openxmlformats.org/drawingml/2006/main" xmlns:r="http://schemas.openxmlformats.org/officeDocument/2006/relationships" xmlns:p="http://schemas.openxmlformats.org/presentationml/2006/main">
   <p:cSld>
     <p:spTree>
@@ -18849,7 +19125,7 @@
 </p:sld>
 </file>
 
-<file path=ppt/slides/slide54.xml><?xml version="1.0" encoding="utf-8"?>
+<file path=ppt/slides/slide56.xml><?xml version="1.0" encoding="utf-8"?>
 <p:sld xmlns:a="http://schemas.openxmlformats.org/drawingml/2006/main" xmlns:r="http://schemas.openxmlformats.org/officeDocument/2006/relationships" xmlns:p="http://schemas.openxmlformats.org/presentationml/2006/main">
   <p:cSld>
     <p:spTree>
